--- a/Slides/NHibernate/1 - Overview and Fundamentals.pptx
+++ b/Slides/NHibernate/1 - Overview and Fundamentals.pptx
@@ -18,18 +18,14 @@
     <p:sldId id="262" r:id="rId12"/>
     <p:sldId id="276" r:id="rId13"/>
     <p:sldId id="280" r:id="rId14"/>
-    <p:sldId id="281" r:id="rId15"/>
-    <p:sldId id="283" r:id="rId16"/>
-    <p:sldId id="282" r:id="rId17"/>
-    <p:sldId id="265" r:id="rId18"/>
-    <p:sldId id="271" r:id="rId19"/>
-    <p:sldId id="270" r:id="rId20"/>
-    <p:sldId id="268" r:id="rId21"/>
-    <p:sldId id="284" r:id="rId22"/>
-    <p:sldId id="285" r:id="rId23"/>
-    <p:sldId id="275" r:id="rId24"/>
-    <p:sldId id="267" r:id="rId25"/>
-    <p:sldId id="277" r:id="rId26"/>
+    <p:sldId id="265" r:id="rId15"/>
+    <p:sldId id="271" r:id="rId16"/>
+    <p:sldId id="268" r:id="rId17"/>
+    <p:sldId id="284" r:id="rId18"/>
+    <p:sldId id="285" r:id="rId19"/>
+    <p:sldId id="275" r:id="rId20"/>
+    <p:sldId id="267" r:id="rId21"/>
+    <p:sldId id="277" r:id="rId22"/>
   </p:sldIdLst>
   <p:sldSz cx="9144000" cy="6858000" type="screen4x3"/>
   <p:notesSz cx="6858000" cy="9144000"/>
@@ -2305,35 +2301,35 @@
     </dgm:pt>
   </dgm:ptLst>
   <dgm:cxnLst>
+    <dgm:cxn modelId="{CC4649A1-A0B3-46B2-A64E-E57D0FDFD7B6}" srcId="{F65AE794-A2E0-4193-A304-487A2AF5B6AB}" destId="{59728403-7707-4D17-89BC-A1026C5B62DB}" srcOrd="3" destOrd="0" parTransId="{D5DFD1A4-72A5-456F-AB06-88ED6A15A5DD}" sibTransId="{39CA7E78-55B7-4EE8-9E7B-3D7B87312585}"/>
+    <dgm:cxn modelId="{9C5124F6-F1DC-4C2E-939B-DF71427B2C28}" srcId="{59728403-7707-4D17-89BC-A1026C5B62DB}" destId="{DB7CCD1E-E54A-429B-8CD0-01A594F92662}" srcOrd="1" destOrd="0" parTransId="{09307B90-2AB7-4D06-93BE-4DAC130C5275}" sibTransId="{5358C617-7E58-45ED-B191-29059734AC85}"/>
+    <dgm:cxn modelId="{3295FF70-3847-4B7B-A20F-6C05F30E299D}" srcId="{4908917A-5918-4F29-A37B-F58DD0910C55}" destId="{826AE8F5-CF98-4C2E-8926-E1AFF539055B}" srcOrd="1" destOrd="0" parTransId="{3DF13EB4-5660-4218-A7D4-5636F1073335}" sibTransId="{A961EFB2-F7E5-4FDA-A23B-F1D6D9B93B4F}"/>
+    <dgm:cxn modelId="{427EA6F4-3B19-4D19-A7EA-9C05B9CBC7F0}" srcId="{59728403-7707-4D17-89BC-A1026C5B62DB}" destId="{86A5D902-1C74-4E9A-873C-82A8BEAB8510}" srcOrd="0" destOrd="0" parTransId="{8975F655-0052-4E57-BB7F-3C77A7DA6935}" sibTransId="{3801EB61-AF46-4B91-B007-BA148863D98B}"/>
     <dgm:cxn modelId="{2FB23D61-4186-4F76-BA06-924FC2036393}" srcId="{4908917A-5918-4F29-A37B-F58DD0910C55}" destId="{D2E4F6A5-D29F-41B1-ADA1-9997420F6DF4}" srcOrd="2" destOrd="0" parTransId="{4229FAA1-7BE8-432E-9F47-923BC48CCEFF}" sibTransId="{B05AF9EC-1E6C-423E-B3F2-D198A38287F0}"/>
+    <dgm:cxn modelId="{0CF3BFF8-2C89-41AF-8272-650A4888D683}" srcId="{6AC100BD-08DC-46DD-924A-2DF6684CCC9E}" destId="{A860435D-8084-4838-8986-EF02961C9422}" srcOrd="2" destOrd="0" parTransId="{8A3F1261-51DA-4C44-8E88-703078FDF787}" sibTransId="{FFAB0EF8-EBEA-417E-989B-253F2BF1E8FC}"/>
+    <dgm:cxn modelId="{DED7F7E5-E7B8-4E8A-B87C-2EB095DAB3D3}" srcId="{6AC100BD-08DC-46DD-924A-2DF6684CCC9E}" destId="{A95F80EF-1DAF-42F4-A9E2-62B7B4CC258E}" srcOrd="1" destOrd="0" parTransId="{C350769B-A29D-46DE-81F2-69E93D2C5817}" sibTransId="{77F89B9A-38D3-4AD2-BB19-D995E069974F}"/>
+    <dgm:cxn modelId="{3F0B7641-17C1-4DD5-87B5-6CBAA5B1EF92}" type="presOf" srcId="{86A5D902-1C74-4E9A-873C-82A8BEAB8510}" destId="{2E3B7F3C-F05A-4619-A692-1D70F29668D5}" srcOrd="0" destOrd="0" presId="urn:microsoft.com/office/officeart/2005/8/layout/vList5"/>
+    <dgm:cxn modelId="{23024232-D885-40F1-BF6D-45AEF4D5AA86}" type="presOf" srcId="{59728403-7707-4D17-89BC-A1026C5B62DB}" destId="{BF6D1C3C-F5EB-40A9-ACDA-34B5A9600B97}" srcOrd="0" destOrd="0" presId="urn:microsoft.com/office/officeart/2005/8/layout/vList5"/>
+    <dgm:cxn modelId="{DB9E6A29-6688-47D8-A803-F3F0B92421FD}" type="presOf" srcId="{C87BB1F1-AADB-493A-8EE1-93C9286EC991}" destId="{196AD2FC-E5DC-4D66-9D7C-16470F0B2503}" srcOrd="0" destOrd="0" presId="urn:microsoft.com/office/officeart/2005/8/layout/vList5"/>
+    <dgm:cxn modelId="{A62BEDF6-2631-41BB-87D3-9BF5F95CBED3}" type="presOf" srcId="{BD3FCD1C-F02C-418C-B5AB-9E5730152476}" destId="{F4B0F76D-A7E4-43F1-AD76-78A52F5661C3}" srcOrd="0" destOrd="0" presId="urn:microsoft.com/office/officeart/2005/8/layout/vList5"/>
+    <dgm:cxn modelId="{E741EAA0-A4A9-4FB3-AF1D-7DE7A2DD04AF}" type="presOf" srcId="{DB7CCD1E-E54A-429B-8CD0-01A594F92662}" destId="{2E3B7F3C-F05A-4619-A692-1D70F29668D5}" srcOrd="0" destOrd="1" presId="urn:microsoft.com/office/officeart/2005/8/layout/vList5"/>
+    <dgm:cxn modelId="{0AE91609-BE18-41E9-9208-E474FF0EFF3E}" type="presOf" srcId="{332798F1-1820-47E0-8690-544E7BDEC65F}" destId="{196AD2FC-E5DC-4D66-9D7C-16470F0B2503}" srcOrd="0" destOrd="1" presId="urn:microsoft.com/office/officeart/2005/8/layout/vList5"/>
+    <dgm:cxn modelId="{11A83400-9F33-4826-9526-96DBA9B94B68}" type="presOf" srcId="{4908917A-5918-4F29-A37B-F58DD0910C55}" destId="{26ECF484-32BA-4F6F-976A-DE243A6A9312}" srcOrd="0" destOrd="0" presId="urn:microsoft.com/office/officeart/2005/8/layout/vList5"/>
+    <dgm:cxn modelId="{F8F3951D-9D7F-4870-8793-83271CCCBFCD}" type="presOf" srcId="{6AC100BD-08DC-46DD-924A-2DF6684CCC9E}" destId="{74F32C03-3931-4A21-BAB0-454C01F1C592}" srcOrd="0" destOrd="0" presId="urn:microsoft.com/office/officeart/2005/8/layout/vList5"/>
     <dgm:cxn modelId="{AB5C9033-9664-4F05-B557-0167ACC74D40}" srcId="{BD3FCD1C-F02C-418C-B5AB-9E5730152476}" destId="{332798F1-1820-47E0-8690-544E7BDEC65F}" srcOrd="1" destOrd="0" parTransId="{505E2E4F-F466-4931-AEE3-AD8EE252A519}" sibTransId="{3612AAA7-E625-4CC0-BCE3-9FA470D1A37E}"/>
-    <dgm:cxn modelId="{11A83400-9F33-4826-9526-96DBA9B94B68}" type="presOf" srcId="{4908917A-5918-4F29-A37B-F58DD0910C55}" destId="{26ECF484-32BA-4F6F-976A-DE243A6A9312}" srcOrd="0" destOrd="0" presId="urn:microsoft.com/office/officeart/2005/8/layout/vList5"/>
-    <dgm:cxn modelId="{427EA6F4-3B19-4D19-A7EA-9C05B9CBC7F0}" srcId="{59728403-7707-4D17-89BC-A1026C5B62DB}" destId="{86A5D902-1C74-4E9A-873C-82A8BEAB8510}" srcOrd="0" destOrd="0" parTransId="{8975F655-0052-4E57-BB7F-3C77A7DA6935}" sibTransId="{3801EB61-AF46-4B91-B007-BA148863D98B}"/>
+    <dgm:cxn modelId="{175670ED-CCD6-4CE0-8E58-EB9E4B434574}" srcId="{4908917A-5918-4F29-A37B-F58DD0910C55}" destId="{A620AE7D-4A51-464B-B23E-F85D63AB1F10}" srcOrd="0" destOrd="0" parTransId="{8B83FCA7-B57D-440A-A7D8-520F74C5F6EC}" sibTransId="{836A2E8E-BC79-4DF0-984D-F6D2C6055AC0}"/>
+    <dgm:cxn modelId="{389429C8-4DDF-4283-A6E6-0FBCBDB7969D}" srcId="{BD3FCD1C-F02C-418C-B5AB-9E5730152476}" destId="{C87BB1F1-AADB-493A-8EE1-93C9286EC991}" srcOrd="0" destOrd="0" parTransId="{71C8A088-7EA3-4557-BA32-1EE53185B0AE}" sibTransId="{B4189E39-AA39-4093-B734-9D197A09690A}"/>
+    <dgm:cxn modelId="{030DF5E9-64BE-4E58-9C59-A8E8B3C94B0D}" type="presOf" srcId="{2539756C-D8A9-4A86-8FE9-4A29ECEE470F}" destId="{8A01EBE0-5DFC-42C3-881C-71345C01160E}" srcOrd="0" destOrd="0" presId="urn:microsoft.com/office/officeart/2005/8/layout/vList5"/>
+    <dgm:cxn modelId="{5F9A49EF-D93A-43FE-A584-5BBE87D52489}" type="presOf" srcId="{A95F80EF-1DAF-42F4-A9E2-62B7B4CC258E}" destId="{8A01EBE0-5DFC-42C3-881C-71345C01160E}" srcOrd="0" destOrd="1" presId="urn:microsoft.com/office/officeart/2005/8/layout/vList5"/>
+    <dgm:cxn modelId="{14A56320-CDFC-4C7D-AF79-AC0F30FB049E}" type="presOf" srcId="{F65AE794-A2E0-4193-A304-487A2AF5B6AB}" destId="{10D7FD89-9951-46B0-8407-03B95AA499D3}" srcOrd="0" destOrd="0" presId="urn:microsoft.com/office/officeart/2005/8/layout/vList5"/>
+    <dgm:cxn modelId="{46C37B82-F6FA-491C-820D-5352C7F44503}" type="presOf" srcId="{A860435D-8084-4838-8986-EF02961C9422}" destId="{8A01EBE0-5DFC-42C3-881C-71345C01160E}" srcOrd="0" destOrd="2" presId="urn:microsoft.com/office/officeart/2005/8/layout/vList5"/>
     <dgm:cxn modelId="{12968EC1-9D77-4747-974F-A58E4A26BF85}" srcId="{F65AE794-A2E0-4193-A304-487A2AF5B6AB}" destId="{BD3FCD1C-F02C-418C-B5AB-9E5730152476}" srcOrd="1" destOrd="0" parTransId="{9BC2A525-EEA5-4EDA-8FC1-EEC6E2A51F94}" sibTransId="{CA42B733-44E6-419F-B512-E865B5149CB9}"/>
+    <dgm:cxn modelId="{749EFE25-0C30-4E60-9706-23476187D0BF}" type="presOf" srcId="{A620AE7D-4A51-464B-B23E-F85D63AB1F10}" destId="{CD06745B-847D-4294-A567-34110556E421}" srcOrd="0" destOrd="0" presId="urn:microsoft.com/office/officeart/2005/8/layout/vList5"/>
+    <dgm:cxn modelId="{4CA5637F-396C-49D3-9C68-A6D1132F05F1}" srcId="{F65AE794-A2E0-4193-A304-487A2AF5B6AB}" destId="{6AC100BD-08DC-46DD-924A-2DF6684CCC9E}" srcOrd="2" destOrd="0" parTransId="{B08F8D8E-7EDF-46B2-9147-5B9A506EF9AA}" sibTransId="{E9359D77-4AF1-463F-A46D-150A1BCB0F1D}"/>
+    <dgm:cxn modelId="{9A021F99-7E47-4614-B3B6-2A784F2BA93B}" srcId="{F65AE794-A2E0-4193-A304-487A2AF5B6AB}" destId="{4908917A-5918-4F29-A37B-F58DD0910C55}" srcOrd="0" destOrd="0" parTransId="{5FE99D1A-ED67-49F5-9D29-58740436C780}" sibTransId="{A38DC790-97A2-4F81-8059-5E715BFCEA0E}"/>
+    <dgm:cxn modelId="{93D1CA73-A7C0-47D9-8DCE-39E4AF490BFD}" type="presOf" srcId="{826AE8F5-CF98-4C2E-8926-E1AFF539055B}" destId="{CD06745B-847D-4294-A567-34110556E421}" srcOrd="0" destOrd="1" presId="urn:microsoft.com/office/officeart/2005/8/layout/vList5"/>
+    <dgm:cxn modelId="{7D5491AA-50C5-4AA2-8D30-A5C61CF62451}" srcId="{6AC100BD-08DC-46DD-924A-2DF6684CCC9E}" destId="{2539756C-D8A9-4A86-8FE9-4A29ECEE470F}" srcOrd="0" destOrd="0" parTransId="{CAF21285-B7D0-4E2E-A953-F15168647952}" sibTransId="{1D9B1F6A-C979-4A21-95BF-961CDDD046BD}"/>
     <dgm:cxn modelId="{E2BBA56A-F2CD-4E75-A16F-D2411C80C6B4}" type="presOf" srcId="{D2E4F6A5-D29F-41B1-ADA1-9997420F6DF4}" destId="{CD06745B-847D-4294-A567-34110556E421}" srcOrd="0" destOrd="2" presId="urn:microsoft.com/office/officeart/2005/8/layout/vList5"/>
-    <dgm:cxn modelId="{E741EAA0-A4A9-4FB3-AF1D-7DE7A2DD04AF}" type="presOf" srcId="{DB7CCD1E-E54A-429B-8CD0-01A594F92662}" destId="{2E3B7F3C-F05A-4619-A692-1D70F29668D5}" srcOrd="0" destOrd="1" presId="urn:microsoft.com/office/officeart/2005/8/layout/vList5"/>
-    <dgm:cxn modelId="{93D1CA73-A7C0-47D9-8DCE-39E4AF490BFD}" type="presOf" srcId="{826AE8F5-CF98-4C2E-8926-E1AFF539055B}" destId="{CD06745B-847D-4294-A567-34110556E421}" srcOrd="0" destOrd="1" presId="urn:microsoft.com/office/officeart/2005/8/layout/vList5"/>
-    <dgm:cxn modelId="{23024232-D885-40F1-BF6D-45AEF4D5AA86}" type="presOf" srcId="{59728403-7707-4D17-89BC-A1026C5B62DB}" destId="{BF6D1C3C-F5EB-40A9-ACDA-34B5A9600B97}" srcOrd="0" destOrd="0" presId="urn:microsoft.com/office/officeart/2005/8/layout/vList5"/>
-    <dgm:cxn modelId="{030DF5E9-64BE-4E58-9C59-A8E8B3C94B0D}" type="presOf" srcId="{2539756C-D8A9-4A86-8FE9-4A29ECEE470F}" destId="{8A01EBE0-5DFC-42C3-881C-71345C01160E}" srcOrd="0" destOrd="0" presId="urn:microsoft.com/office/officeart/2005/8/layout/vList5"/>
-    <dgm:cxn modelId="{4CA5637F-396C-49D3-9C68-A6D1132F05F1}" srcId="{F65AE794-A2E0-4193-A304-487A2AF5B6AB}" destId="{6AC100BD-08DC-46DD-924A-2DF6684CCC9E}" srcOrd="2" destOrd="0" parTransId="{B08F8D8E-7EDF-46B2-9147-5B9A506EF9AA}" sibTransId="{E9359D77-4AF1-463F-A46D-150A1BCB0F1D}"/>
-    <dgm:cxn modelId="{DED7F7E5-E7B8-4E8A-B87C-2EB095DAB3D3}" srcId="{6AC100BD-08DC-46DD-924A-2DF6684CCC9E}" destId="{A95F80EF-1DAF-42F4-A9E2-62B7B4CC258E}" srcOrd="1" destOrd="0" parTransId="{C350769B-A29D-46DE-81F2-69E93D2C5817}" sibTransId="{77F89B9A-38D3-4AD2-BB19-D995E069974F}"/>
-    <dgm:cxn modelId="{F8F3951D-9D7F-4870-8793-83271CCCBFCD}" type="presOf" srcId="{6AC100BD-08DC-46DD-924A-2DF6684CCC9E}" destId="{74F32C03-3931-4A21-BAB0-454C01F1C592}" srcOrd="0" destOrd="0" presId="urn:microsoft.com/office/officeart/2005/8/layout/vList5"/>
-    <dgm:cxn modelId="{9A021F99-7E47-4614-B3B6-2A784F2BA93B}" srcId="{F65AE794-A2E0-4193-A304-487A2AF5B6AB}" destId="{4908917A-5918-4F29-A37B-F58DD0910C55}" srcOrd="0" destOrd="0" parTransId="{5FE99D1A-ED67-49F5-9D29-58740436C780}" sibTransId="{A38DC790-97A2-4F81-8059-5E715BFCEA0E}"/>
-    <dgm:cxn modelId="{3F0B7641-17C1-4DD5-87B5-6CBAA5B1EF92}" type="presOf" srcId="{86A5D902-1C74-4E9A-873C-82A8BEAB8510}" destId="{2E3B7F3C-F05A-4619-A692-1D70F29668D5}" srcOrd="0" destOrd="0" presId="urn:microsoft.com/office/officeart/2005/8/layout/vList5"/>
-    <dgm:cxn modelId="{749EFE25-0C30-4E60-9706-23476187D0BF}" type="presOf" srcId="{A620AE7D-4A51-464B-B23E-F85D63AB1F10}" destId="{CD06745B-847D-4294-A567-34110556E421}" srcOrd="0" destOrd="0" presId="urn:microsoft.com/office/officeart/2005/8/layout/vList5"/>
-    <dgm:cxn modelId="{175670ED-CCD6-4CE0-8E58-EB9E4B434574}" srcId="{4908917A-5918-4F29-A37B-F58DD0910C55}" destId="{A620AE7D-4A51-464B-B23E-F85D63AB1F10}" srcOrd="0" destOrd="0" parTransId="{8B83FCA7-B57D-440A-A7D8-520F74C5F6EC}" sibTransId="{836A2E8E-BC79-4DF0-984D-F6D2C6055AC0}"/>
-    <dgm:cxn modelId="{0CF3BFF8-2C89-41AF-8272-650A4888D683}" srcId="{6AC100BD-08DC-46DD-924A-2DF6684CCC9E}" destId="{A860435D-8084-4838-8986-EF02961C9422}" srcOrd="2" destOrd="0" parTransId="{8A3F1261-51DA-4C44-8E88-703078FDF787}" sibTransId="{FFAB0EF8-EBEA-417E-989B-253F2BF1E8FC}"/>
-    <dgm:cxn modelId="{9C5124F6-F1DC-4C2E-939B-DF71427B2C28}" srcId="{59728403-7707-4D17-89BC-A1026C5B62DB}" destId="{DB7CCD1E-E54A-429B-8CD0-01A594F92662}" srcOrd="1" destOrd="0" parTransId="{09307B90-2AB7-4D06-93BE-4DAC130C5275}" sibTransId="{5358C617-7E58-45ED-B191-29059734AC85}"/>
-    <dgm:cxn modelId="{7D5491AA-50C5-4AA2-8D30-A5C61CF62451}" srcId="{6AC100BD-08DC-46DD-924A-2DF6684CCC9E}" destId="{2539756C-D8A9-4A86-8FE9-4A29ECEE470F}" srcOrd="0" destOrd="0" parTransId="{CAF21285-B7D0-4E2E-A953-F15168647952}" sibTransId="{1D9B1F6A-C979-4A21-95BF-961CDDD046BD}"/>
-    <dgm:cxn modelId="{CC4649A1-A0B3-46B2-A64E-E57D0FDFD7B6}" srcId="{F65AE794-A2E0-4193-A304-487A2AF5B6AB}" destId="{59728403-7707-4D17-89BC-A1026C5B62DB}" srcOrd="3" destOrd="0" parTransId="{D5DFD1A4-72A5-456F-AB06-88ED6A15A5DD}" sibTransId="{39CA7E78-55B7-4EE8-9E7B-3D7B87312585}"/>
-    <dgm:cxn modelId="{389429C8-4DDF-4283-A6E6-0FBCBDB7969D}" srcId="{BD3FCD1C-F02C-418C-B5AB-9E5730152476}" destId="{C87BB1F1-AADB-493A-8EE1-93C9286EC991}" srcOrd="0" destOrd="0" parTransId="{71C8A088-7EA3-4557-BA32-1EE53185B0AE}" sibTransId="{B4189E39-AA39-4093-B734-9D197A09690A}"/>
-    <dgm:cxn modelId="{46C37B82-F6FA-491C-820D-5352C7F44503}" type="presOf" srcId="{A860435D-8084-4838-8986-EF02961C9422}" destId="{8A01EBE0-5DFC-42C3-881C-71345C01160E}" srcOrd="0" destOrd="2" presId="urn:microsoft.com/office/officeart/2005/8/layout/vList5"/>
-    <dgm:cxn modelId="{5F9A49EF-D93A-43FE-A584-5BBE87D52489}" type="presOf" srcId="{A95F80EF-1DAF-42F4-A9E2-62B7B4CC258E}" destId="{8A01EBE0-5DFC-42C3-881C-71345C01160E}" srcOrd="0" destOrd="1" presId="urn:microsoft.com/office/officeart/2005/8/layout/vList5"/>
-    <dgm:cxn modelId="{3295FF70-3847-4B7B-A20F-6C05F30E299D}" srcId="{4908917A-5918-4F29-A37B-F58DD0910C55}" destId="{826AE8F5-CF98-4C2E-8926-E1AFF539055B}" srcOrd="1" destOrd="0" parTransId="{3DF13EB4-5660-4218-A7D4-5636F1073335}" sibTransId="{A961EFB2-F7E5-4FDA-A23B-F1D6D9B93B4F}"/>
-    <dgm:cxn modelId="{A62BEDF6-2631-41BB-87D3-9BF5F95CBED3}" type="presOf" srcId="{BD3FCD1C-F02C-418C-B5AB-9E5730152476}" destId="{F4B0F76D-A7E4-43F1-AD76-78A52F5661C3}" srcOrd="0" destOrd="0" presId="urn:microsoft.com/office/officeart/2005/8/layout/vList5"/>
-    <dgm:cxn modelId="{14A56320-CDFC-4C7D-AF79-AC0F30FB049E}" type="presOf" srcId="{F65AE794-A2E0-4193-A304-487A2AF5B6AB}" destId="{10D7FD89-9951-46B0-8407-03B95AA499D3}" srcOrd="0" destOrd="0" presId="urn:microsoft.com/office/officeart/2005/8/layout/vList5"/>
-    <dgm:cxn modelId="{DB9E6A29-6688-47D8-A803-F3F0B92421FD}" type="presOf" srcId="{C87BB1F1-AADB-493A-8EE1-93C9286EC991}" destId="{196AD2FC-E5DC-4D66-9D7C-16470F0B2503}" srcOrd="0" destOrd="0" presId="urn:microsoft.com/office/officeart/2005/8/layout/vList5"/>
-    <dgm:cxn modelId="{0AE91609-BE18-41E9-9208-E474FF0EFF3E}" type="presOf" srcId="{332798F1-1820-47E0-8690-544E7BDEC65F}" destId="{196AD2FC-E5DC-4D66-9D7C-16470F0B2503}" srcOrd="0" destOrd="1" presId="urn:microsoft.com/office/officeart/2005/8/layout/vList5"/>
     <dgm:cxn modelId="{CBB65A74-AC6C-480A-9D19-B50CD4F9675B}" type="presParOf" srcId="{10D7FD89-9951-46B0-8407-03B95AA499D3}" destId="{F6873122-4214-4E20-976E-1EC1D2CC833E}" srcOrd="0" destOrd="0" presId="urn:microsoft.com/office/officeart/2005/8/layout/vList5"/>
     <dgm:cxn modelId="{4112F1C8-BDCB-4B76-B20E-51572AE8B113}" type="presParOf" srcId="{F6873122-4214-4E20-976E-1EC1D2CC833E}" destId="{26ECF484-32BA-4F6F-976A-DE243A6A9312}" srcOrd="0" destOrd="0" presId="urn:microsoft.com/office/officeart/2005/8/layout/vList5"/>
     <dgm:cxn modelId="{0DFD08F2-CA03-492F-8D3D-778BE760FF41}" type="presParOf" srcId="{F6873122-4214-4E20-976E-1EC1D2CC833E}" destId="{CD06745B-847D-4294-A567-34110556E421}" srcOrd="1" destOrd="0" presId="urn:microsoft.com/office/officeart/2005/8/layout/vList5"/>
@@ -2615,6 +2611,756 @@
       <dsp:cNvGrpSpPr/>
     </dsp:nvGrpSpPr>
     <dsp:grpSpPr/>
+    <dsp:sp modelId="{CD06745B-847D-4294-A567-34110556E421}">
+      <dsp:nvSpPr>
+        <dsp:cNvPr id="0" name=""/>
+        <dsp:cNvSpPr/>
+      </dsp:nvSpPr>
+      <dsp:spPr>
+        <a:xfrm rot="5400000">
+          <a:off x="4770436" y="-1937879"/>
+          <a:ext cx="782637" cy="4858122"/>
+        </a:xfrm>
+        <a:prstGeom prst="round2SameRect">
+          <a:avLst/>
+        </a:prstGeom>
+        <a:solidFill>
+          <a:schemeClr val="accent1">
+            <a:alpha val="90000"/>
+            <a:tint val="40000"/>
+            <a:hueOff val="0"/>
+            <a:satOff val="0"/>
+            <a:lumOff val="0"/>
+            <a:alphaOff val="0"/>
+          </a:schemeClr>
+        </a:solidFill>
+        <a:ln w="12700" cap="flat" cmpd="sng" algn="ctr">
+          <a:solidFill>
+            <a:schemeClr val="accent1">
+              <a:alpha val="90000"/>
+              <a:tint val="40000"/>
+              <a:hueOff val="0"/>
+              <a:satOff val="0"/>
+              <a:lumOff val="0"/>
+              <a:alphaOff val="0"/>
+            </a:schemeClr>
+          </a:solidFill>
+          <a:prstDash val="solid"/>
+          <a:miter lim="800000"/>
+        </a:ln>
+        <a:effectLst/>
+      </dsp:spPr>
+      <dsp:style>
+        <a:lnRef idx="2">
+          <a:scrgbClr r="0" g="0" b="0"/>
+        </a:lnRef>
+        <a:fillRef idx="1">
+          <a:scrgbClr r="0" g="0" b="0"/>
+        </a:fillRef>
+        <a:effectRef idx="0">
+          <a:scrgbClr r="0" g="0" b="0"/>
+        </a:effectRef>
+        <a:fontRef idx="minor"/>
+      </dsp:style>
+      <dsp:txBody>
+        <a:bodyPr spcFirstLastPara="0" vert="horz" wrap="square" lIns="53340" tIns="26670" rIns="53340" bIns="26670" numCol="1" spcCol="1270" anchor="ctr" anchorCtr="0">
+          <a:noAutofit/>
+        </a:bodyPr>
+        <a:lstStyle/>
+        <a:p>
+          <a:pPr marL="114300" lvl="1" indent="-114300" algn="l" defTabSz="622300">
+            <a:lnSpc>
+              <a:spcPct val="90000"/>
+            </a:lnSpc>
+            <a:spcBef>
+              <a:spcPct val="0"/>
+            </a:spcBef>
+            <a:spcAft>
+              <a:spcPct val="15000"/>
+            </a:spcAft>
+            <a:buChar char="••"/>
+          </a:pPr>
+          <a:r>
+            <a:rPr lang="en-US" sz="1400" kern="1200" dirty="0" smtClean="0"/>
+            <a:t>Eliminates repetitive code</a:t>
+          </a:r>
+          <a:endParaRPr lang="en-US" sz="1400" kern="1200" dirty="0"/>
+        </a:p>
+        <a:p>
+          <a:pPr marL="114300" lvl="1" indent="-114300" algn="l" defTabSz="622300">
+            <a:lnSpc>
+              <a:spcPct val="90000"/>
+            </a:lnSpc>
+            <a:spcBef>
+              <a:spcPct val="0"/>
+            </a:spcBef>
+            <a:spcAft>
+              <a:spcPct val="15000"/>
+            </a:spcAft>
+            <a:buChar char="••"/>
+          </a:pPr>
+          <a:r>
+            <a:rPr lang="en-US" sz="1400" kern="1200" dirty="0" smtClean="0"/>
+            <a:t>Generate schema automatically</a:t>
+          </a:r>
+          <a:endParaRPr lang="en-US" sz="1400" kern="1200" dirty="0"/>
+        </a:p>
+        <a:p>
+          <a:pPr marL="114300" lvl="1" indent="-114300" algn="l" defTabSz="622300">
+            <a:lnSpc>
+              <a:spcPct val="90000"/>
+            </a:lnSpc>
+            <a:spcBef>
+              <a:spcPct val="0"/>
+            </a:spcBef>
+            <a:spcAft>
+              <a:spcPct val="15000"/>
+            </a:spcAft>
+            <a:buChar char="••"/>
+          </a:pPr>
+          <a:r>
+            <a:rPr lang="en-US" sz="1400" kern="1200" dirty="0" smtClean="0"/>
+            <a:t>Worry about model, not DB</a:t>
+          </a:r>
+          <a:endParaRPr lang="en-US" sz="1400" kern="1200" dirty="0"/>
+        </a:p>
+      </dsp:txBody>
+      <dsp:txXfrm rot="-5400000">
+        <a:off x="2732694" y="138068"/>
+        <a:ext cx="4819917" cy="706227"/>
+      </dsp:txXfrm>
+    </dsp:sp>
+    <dsp:sp modelId="{26ECF484-32BA-4F6F-976A-DE243A6A9312}">
+      <dsp:nvSpPr>
+        <dsp:cNvPr id="0" name=""/>
+        <dsp:cNvSpPr/>
+      </dsp:nvSpPr>
+      <dsp:spPr>
+        <a:xfrm>
+          <a:off x="0" y="2033"/>
+          <a:ext cx="2732694" cy="978296"/>
+        </a:xfrm>
+        <a:prstGeom prst="roundRect">
+          <a:avLst/>
+        </a:prstGeom>
+        <a:solidFill>
+          <a:schemeClr val="accent1">
+            <a:hueOff val="0"/>
+            <a:satOff val="0"/>
+            <a:lumOff val="0"/>
+            <a:alphaOff val="0"/>
+          </a:schemeClr>
+        </a:solidFill>
+        <a:ln w="12700" cap="flat" cmpd="sng" algn="ctr">
+          <a:solidFill>
+            <a:schemeClr val="lt1">
+              <a:hueOff val="0"/>
+              <a:satOff val="0"/>
+              <a:lumOff val="0"/>
+              <a:alphaOff val="0"/>
+            </a:schemeClr>
+          </a:solidFill>
+          <a:prstDash val="solid"/>
+          <a:miter lim="800000"/>
+        </a:ln>
+        <a:effectLst/>
+      </dsp:spPr>
+      <dsp:style>
+        <a:lnRef idx="2">
+          <a:scrgbClr r="0" g="0" b="0"/>
+        </a:lnRef>
+        <a:fillRef idx="1">
+          <a:scrgbClr r="0" g="0" b="0"/>
+        </a:fillRef>
+        <a:effectRef idx="0">
+          <a:scrgbClr r="0" g="0" b="0"/>
+        </a:effectRef>
+        <a:fontRef idx="minor">
+          <a:schemeClr val="lt1"/>
+        </a:fontRef>
+      </dsp:style>
+      <dsp:txBody>
+        <a:bodyPr spcFirstLastPara="0" vert="horz" wrap="square" lIns="102870" tIns="51435" rIns="102870" bIns="51435" numCol="1" spcCol="1270" anchor="ctr" anchorCtr="0">
+          <a:noAutofit/>
+        </a:bodyPr>
+        <a:lstStyle/>
+        <a:p>
+          <a:pPr lvl="0" algn="ctr" defTabSz="1200150">
+            <a:lnSpc>
+              <a:spcPct val="90000"/>
+            </a:lnSpc>
+            <a:spcBef>
+              <a:spcPct val="0"/>
+            </a:spcBef>
+            <a:spcAft>
+              <a:spcPct val="35000"/>
+            </a:spcAft>
+          </a:pPr>
+          <a:r>
+            <a:rPr lang="en-US" sz="2700" kern="1200" dirty="0" smtClean="0"/>
+            <a:t>Productivity</a:t>
+          </a:r>
+          <a:endParaRPr lang="en-US" sz="2700" kern="1200" dirty="0"/>
+        </a:p>
+      </dsp:txBody>
+      <dsp:txXfrm>
+        <a:off x="47756" y="49789"/>
+        <a:ext cx="2637182" cy="882784"/>
+      </dsp:txXfrm>
+    </dsp:sp>
+    <dsp:sp modelId="{196AD2FC-E5DC-4D66-9D7C-16470F0B2503}">
+      <dsp:nvSpPr>
+        <dsp:cNvPr id="0" name=""/>
+        <dsp:cNvSpPr/>
+      </dsp:nvSpPr>
+      <dsp:spPr>
+        <a:xfrm rot="5400000">
+          <a:off x="4770436" y="-910667"/>
+          <a:ext cx="782637" cy="4858122"/>
+        </a:xfrm>
+        <a:prstGeom prst="round2SameRect">
+          <a:avLst/>
+        </a:prstGeom>
+        <a:solidFill>
+          <a:schemeClr val="accent1">
+            <a:alpha val="90000"/>
+            <a:tint val="40000"/>
+            <a:hueOff val="0"/>
+            <a:satOff val="0"/>
+            <a:lumOff val="0"/>
+            <a:alphaOff val="0"/>
+          </a:schemeClr>
+        </a:solidFill>
+        <a:ln w="12700" cap="flat" cmpd="sng" algn="ctr">
+          <a:solidFill>
+            <a:schemeClr val="accent1">
+              <a:alpha val="90000"/>
+              <a:tint val="40000"/>
+              <a:hueOff val="0"/>
+              <a:satOff val="0"/>
+              <a:lumOff val="0"/>
+              <a:alphaOff val="0"/>
+            </a:schemeClr>
+          </a:solidFill>
+          <a:prstDash val="solid"/>
+          <a:miter lim="800000"/>
+        </a:ln>
+        <a:effectLst/>
+      </dsp:spPr>
+      <dsp:style>
+        <a:lnRef idx="2">
+          <a:scrgbClr r="0" g="0" b="0"/>
+        </a:lnRef>
+        <a:fillRef idx="1">
+          <a:scrgbClr r="0" g="0" b="0"/>
+        </a:fillRef>
+        <a:effectRef idx="0">
+          <a:scrgbClr r="0" g="0" b="0"/>
+        </a:effectRef>
+        <a:fontRef idx="minor"/>
+      </dsp:style>
+      <dsp:txBody>
+        <a:bodyPr spcFirstLastPara="0" vert="horz" wrap="square" lIns="53340" tIns="26670" rIns="53340" bIns="26670" numCol="1" spcCol="1270" anchor="ctr" anchorCtr="0">
+          <a:noAutofit/>
+        </a:bodyPr>
+        <a:lstStyle/>
+        <a:p>
+          <a:pPr marL="114300" lvl="1" indent="-114300" algn="l" defTabSz="622300">
+            <a:lnSpc>
+              <a:spcPct val="90000"/>
+            </a:lnSpc>
+            <a:spcBef>
+              <a:spcPct val="0"/>
+            </a:spcBef>
+            <a:spcAft>
+              <a:spcPct val="15000"/>
+            </a:spcAft>
+            <a:buChar char="••"/>
+          </a:pPr>
+          <a:r>
+            <a:rPr lang="en-US" sz="1400" kern="1200" dirty="0" smtClean="0"/>
+            <a:t>Fewer lines of code</a:t>
+          </a:r>
+          <a:endParaRPr lang="en-US" sz="1400" kern="1200" dirty="0"/>
+        </a:p>
+        <a:p>
+          <a:pPr marL="114300" lvl="1" indent="-114300" algn="l" defTabSz="622300">
+            <a:lnSpc>
+              <a:spcPct val="90000"/>
+            </a:lnSpc>
+            <a:spcBef>
+              <a:spcPct val="0"/>
+            </a:spcBef>
+            <a:spcAft>
+              <a:spcPct val="15000"/>
+            </a:spcAft>
+            <a:buChar char="••"/>
+          </a:pPr>
+          <a:r>
+            <a:rPr lang="en-US" sz="1400" kern="1200" dirty="0" smtClean="0"/>
+            <a:t>No manual mapping</a:t>
+          </a:r>
+          <a:endParaRPr lang="en-US" sz="1400" kern="1200" dirty="0"/>
+        </a:p>
+      </dsp:txBody>
+      <dsp:txXfrm rot="-5400000">
+        <a:off x="2732694" y="1165280"/>
+        <a:ext cx="4819917" cy="706227"/>
+      </dsp:txXfrm>
+    </dsp:sp>
+    <dsp:sp modelId="{F4B0F76D-A7E4-43F1-AD76-78A52F5661C3}">
+      <dsp:nvSpPr>
+        <dsp:cNvPr id="0" name=""/>
+        <dsp:cNvSpPr/>
+      </dsp:nvSpPr>
+      <dsp:spPr>
+        <a:xfrm>
+          <a:off x="0" y="1029245"/>
+          <a:ext cx="2732694" cy="978296"/>
+        </a:xfrm>
+        <a:prstGeom prst="roundRect">
+          <a:avLst/>
+        </a:prstGeom>
+        <a:solidFill>
+          <a:schemeClr val="accent1">
+            <a:hueOff val="0"/>
+            <a:satOff val="0"/>
+            <a:lumOff val="0"/>
+            <a:alphaOff val="0"/>
+          </a:schemeClr>
+        </a:solidFill>
+        <a:ln w="12700" cap="flat" cmpd="sng" algn="ctr">
+          <a:solidFill>
+            <a:schemeClr val="lt1">
+              <a:hueOff val="0"/>
+              <a:satOff val="0"/>
+              <a:lumOff val="0"/>
+              <a:alphaOff val="0"/>
+            </a:schemeClr>
+          </a:solidFill>
+          <a:prstDash val="solid"/>
+          <a:miter lim="800000"/>
+        </a:ln>
+        <a:effectLst/>
+      </dsp:spPr>
+      <dsp:style>
+        <a:lnRef idx="2">
+          <a:scrgbClr r="0" g="0" b="0"/>
+        </a:lnRef>
+        <a:fillRef idx="1">
+          <a:scrgbClr r="0" g="0" b="0"/>
+        </a:fillRef>
+        <a:effectRef idx="0">
+          <a:scrgbClr r="0" g="0" b="0"/>
+        </a:effectRef>
+        <a:fontRef idx="minor">
+          <a:schemeClr val="lt1"/>
+        </a:fontRef>
+      </dsp:style>
+      <dsp:txBody>
+        <a:bodyPr spcFirstLastPara="0" vert="horz" wrap="square" lIns="102870" tIns="51435" rIns="102870" bIns="51435" numCol="1" spcCol="1270" anchor="ctr" anchorCtr="0">
+          <a:noAutofit/>
+        </a:bodyPr>
+        <a:lstStyle/>
+        <a:p>
+          <a:pPr lvl="0" algn="ctr" defTabSz="1200150">
+            <a:lnSpc>
+              <a:spcPct val="90000"/>
+            </a:lnSpc>
+            <a:spcBef>
+              <a:spcPct val="0"/>
+            </a:spcBef>
+            <a:spcAft>
+              <a:spcPct val="35000"/>
+            </a:spcAft>
+          </a:pPr>
+          <a:r>
+            <a:rPr lang="en-US" sz="2700" kern="1200" dirty="0" smtClean="0"/>
+            <a:t>Maintainability</a:t>
+          </a:r>
+          <a:endParaRPr lang="en-US" sz="2700" kern="1200" dirty="0"/>
+        </a:p>
+      </dsp:txBody>
+      <dsp:txXfrm>
+        <a:off x="47756" y="1077001"/>
+        <a:ext cx="2637182" cy="882784"/>
+      </dsp:txXfrm>
+    </dsp:sp>
+    <dsp:sp modelId="{8A01EBE0-5DFC-42C3-881C-71345C01160E}">
+      <dsp:nvSpPr>
+        <dsp:cNvPr id="0" name=""/>
+        <dsp:cNvSpPr/>
+      </dsp:nvSpPr>
+      <dsp:spPr>
+        <a:xfrm rot="5400000">
+          <a:off x="4770436" y="116544"/>
+          <a:ext cx="782637" cy="4858122"/>
+        </a:xfrm>
+        <a:prstGeom prst="round2SameRect">
+          <a:avLst/>
+        </a:prstGeom>
+        <a:solidFill>
+          <a:schemeClr val="accent1">
+            <a:alpha val="90000"/>
+            <a:tint val="40000"/>
+            <a:hueOff val="0"/>
+            <a:satOff val="0"/>
+            <a:lumOff val="0"/>
+            <a:alphaOff val="0"/>
+          </a:schemeClr>
+        </a:solidFill>
+        <a:ln w="12700" cap="flat" cmpd="sng" algn="ctr">
+          <a:solidFill>
+            <a:schemeClr val="accent1">
+              <a:alpha val="90000"/>
+              <a:tint val="40000"/>
+              <a:hueOff val="0"/>
+              <a:satOff val="0"/>
+              <a:lumOff val="0"/>
+              <a:alphaOff val="0"/>
+            </a:schemeClr>
+          </a:solidFill>
+          <a:prstDash val="solid"/>
+          <a:miter lim="800000"/>
+        </a:ln>
+        <a:effectLst/>
+      </dsp:spPr>
+      <dsp:style>
+        <a:lnRef idx="2">
+          <a:scrgbClr r="0" g="0" b="0"/>
+        </a:lnRef>
+        <a:fillRef idx="1">
+          <a:scrgbClr r="0" g="0" b="0"/>
+        </a:fillRef>
+        <a:effectRef idx="0">
+          <a:scrgbClr r="0" g="0" b="0"/>
+        </a:effectRef>
+        <a:fontRef idx="minor"/>
+      </dsp:style>
+      <dsp:txBody>
+        <a:bodyPr spcFirstLastPara="0" vert="horz" wrap="square" lIns="53340" tIns="26670" rIns="53340" bIns="26670" numCol="1" spcCol="1270" anchor="ctr" anchorCtr="0">
+          <a:noAutofit/>
+        </a:bodyPr>
+        <a:lstStyle/>
+        <a:p>
+          <a:pPr marL="114300" lvl="1" indent="-114300" algn="l" defTabSz="622300">
+            <a:lnSpc>
+              <a:spcPct val="90000"/>
+            </a:lnSpc>
+            <a:spcBef>
+              <a:spcPct val="0"/>
+            </a:spcBef>
+            <a:spcAft>
+              <a:spcPct val="15000"/>
+            </a:spcAft>
+            <a:buChar char="••"/>
+          </a:pPr>
+          <a:r>
+            <a:rPr lang="en-US" sz="1400" kern="1200" dirty="0" smtClean="0"/>
+            <a:t>Lazy loading</a:t>
+          </a:r>
+          <a:endParaRPr lang="en-US" sz="1400" kern="1200" dirty="0"/>
+        </a:p>
+        <a:p>
+          <a:pPr marL="114300" lvl="1" indent="-114300" algn="l" defTabSz="622300">
+            <a:lnSpc>
+              <a:spcPct val="90000"/>
+            </a:lnSpc>
+            <a:spcBef>
+              <a:spcPct val="0"/>
+            </a:spcBef>
+            <a:spcAft>
+              <a:spcPct val="15000"/>
+            </a:spcAft>
+            <a:buChar char="••"/>
+          </a:pPr>
+          <a:r>
+            <a:rPr lang="en-US" sz="1400" kern="1200" dirty="0" smtClean="0"/>
+            <a:t>Caching</a:t>
+          </a:r>
+          <a:endParaRPr lang="en-US" sz="1400" kern="1200" dirty="0"/>
+        </a:p>
+        <a:p>
+          <a:pPr marL="114300" lvl="1" indent="-114300" algn="l" defTabSz="622300">
+            <a:lnSpc>
+              <a:spcPct val="90000"/>
+            </a:lnSpc>
+            <a:spcBef>
+              <a:spcPct val="0"/>
+            </a:spcBef>
+            <a:spcAft>
+              <a:spcPct val="15000"/>
+            </a:spcAft>
+            <a:buChar char="••"/>
+          </a:pPr>
+          <a:r>
+            <a:rPr lang="en-US" sz="1400" kern="1200" dirty="0" smtClean="0"/>
+            <a:t>Optimizes DB Access</a:t>
+          </a:r>
+          <a:endParaRPr lang="en-US" sz="1400" kern="1200" dirty="0"/>
+        </a:p>
+      </dsp:txBody>
+      <dsp:txXfrm rot="-5400000">
+        <a:off x="2732694" y="2192492"/>
+        <a:ext cx="4819917" cy="706227"/>
+      </dsp:txXfrm>
+    </dsp:sp>
+    <dsp:sp modelId="{74F32C03-3931-4A21-BAB0-454C01F1C592}">
+      <dsp:nvSpPr>
+        <dsp:cNvPr id="0" name=""/>
+        <dsp:cNvSpPr/>
+      </dsp:nvSpPr>
+      <dsp:spPr>
+        <a:xfrm>
+          <a:off x="0" y="2056457"/>
+          <a:ext cx="2732694" cy="978296"/>
+        </a:xfrm>
+        <a:prstGeom prst="roundRect">
+          <a:avLst/>
+        </a:prstGeom>
+        <a:solidFill>
+          <a:schemeClr val="accent1">
+            <a:hueOff val="0"/>
+            <a:satOff val="0"/>
+            <a:lumOff val="0"/>
+            <a:alphaOff val="0"/>
+          </a:schemeClr>
+        </a:solidFill>
+        <a:ln w="12700" cap="flat" cmpd="sng" algn="ctr">
+          <a:solidFill>
+            <a:schemeClr val="lt1">
+              <a:hueOff val="0"/>
+              <a:satOff val="0"/>
+              <a:lumOff val="0"/>
+              <a:alphaOff val="0"/>
+            </a:schemeClr>
+          </a:solidFill>
+          <a:prstDash val="solid"/>
+          <a:miter lim="800000"/>
+        </a:ln>
+        <a:effectLst/>
+      </dsp:spPr>
+      <dsp:style>
+        <a:lnRef idx="2">
+          <a:scrgbClr r="0" g="0" b="0"/>
+        </a:lnRef>
+        <a:fillRef idx="1">
+          <a:scrgbClr r="0" g="0" b="0"/>
+        </a:fillRef>
+        <a:effectRef idx="0">
+          <a:scrgbClr r="0" g="0" b="0"/>
+        </a:effectRef>
+        <a:fontRef idx="minor">
+          <a:schemeClr val="lt1"/>
+        </a:fontRef>
+      </dsp:style>
+      <dsp:txBody>
+        <a:bodyPr spcFirstLastPara="0" vert="horz" wrap="square" lIns="102870" tIns="51435" rIns="102870" bIns="51435" numCol="1" spcCol="1270" anchor="ctr" anchorCtr="0">
+          <a:noAutofit/>
+        </a:bodyPr>
+        <a:lstStyle/>
+        <a:p>
+          <a:pPr lvl="0" algn="ctr" defTabSz="1200150">
+            <a:lnSpc>
+              <a:spcPct val="90000"/>
+            </a:lnSpc>
+            <a:spcBef>
+              <a:spcPct val="0"/>
+            </a:spcBef>
+            <a:spcAft>
+              <a:spcPct val="35000"/>
+            </a:spcAft>
+          </a:pPr>
+          <a:r>
+            <a:rPr lang="en-US" sz="2700" kern="1200" dirty="0" smtClean="0"/>
+            <a:t>Performance</a:t>
+          </a:r>
+          <a:endParaRPr lang="en-US" sz="2700" kern="1200" dirty="0"/>
+        </a:p>
+      </dsp:txBody>
+      <dsp:txXfrm>
+        <a:off x="47756" y="2104213"/>
+        <a:ext cx="2637182" cy="882784"/>
+      </dsp:txXfrm>
+    </dsp:sp>
+    <dsp:sp modelId="{2E3B7F3C-F05A-4619-A692-1D70F29668D5}">
+      <dsp:nvSpPr>
+        <dsp:cNvPr id="0" name=""/>
+        <dsp:cNvSpPr/>
+      </dsp:nvSpPr>
+      <dsp:spPr>
+        <a:xfrm rot="5400000">
+          <a:off x="4770436" y="1143756"/>
+          <a:ext cx="782637" cy="4858122"/>
+        </a:xfrm>
+        <a:prstGeom prst="round2SameRect">
+          <a:avLst/>
+        </a:prstGeom>
+        <a:solidFill>
+          <a:schemeClr val="accent1">
+            <a:alpha val="90000"/>
+            <a:tint val="40000"/>
+            <a:hueOff val="0"/>
+            <a:satOff val="0"/>
+            <a:lumOff val="0"/>
+            <a:alphaOff val="0"/>
+          </a:schemeClr>
+        </a:solidFill>
+        <a:ln w="12700" cap="flat" cmpd="sng" algn="ctr">
+          <a:solidFill>
+            <a:schemeClr val="accent1">
+              <a:alpha val="90000"/>
+              <a:tint val="40000"/>
+              <a:hueOff val="0"/>
+              <a:satOff val="0"/>
+              <a:lumOff val="0"/>
+              <a:alphaOff val="0"/>
+            </a:schemeClr>
+          </a:solidFill>
+          <a:prstDash val="solid"/>
+          <a:miter lim="800000"/>
+        </a:ln>
+        <a:effectLst/>
+      </dsp:spPr>
+      <dsp:style>
+        <a:lnRef idx="2">
+          <a:scrgbClr r="0" g="0" b="0"/>
+        </a:lnRef>
+        <a:fillRef idx="1">
+          <a:scrgbClr r="0" g="0" b="0"/>
+        </a:fillRef>
+        <a:effectRef idx="0">
+          <a:scrgbClr r="0" g="0" b="0"/>
+        </a:effectRef>
+        <a:fontRef idx="minor"/>
+      </dsp:style>
+      <dsp:txBody>
+        <a:bodyPr spcFirstLastPara="0" vert="horz" wrap="square" lIns="53340" tIns="26670" rIns="53340" bIns="26670" numCol="1" spcCol="1270" anchor="ctr" anchorCtr="0">
+          <a:noAutofit/>
+        </a:bodyPr>
+        <a:lstStyle/>
+        <a:p>
+          <a:pPr marL="114300" lvl="1" indent="-114300" algn="l" defTabSz="622300">
+            <a:lnSpc>
+              <a:spcPct val="90000"/>
+            </a:lnSpc>
+            <a:spcBef>
+              <a:spcPct val="0"/>
+            </a:spcBef>
+            <a:spcAft>
+              <a:spcPct val="15000"/>
+            </a:spcAft>
+            <a:buChar char="••"/>
+          </a:pPr>
+          <a:r>
+            <a:rPr lang="en-US" sz="1400" kern="1200" dirty="0" smtClean="0"/>
+            <a:t>Abstract DB away</a:t>
+          </a:r>
+          <a:endParaRPr lang="en-US" sz="1400" kern="1200" dirty="0"/>
+        </a:p>
+        <a:p>
+          <a:pPr marL="114300" lvl="1" indent="-114300" algn="l" defTabSz="622300">
+            <a:lnSpc>
+              <a:spcPct val="90000"/>
+            </a:lnSpc>
+            <a:spcBef>
+              <a:spcPct val="0"/>
+            </a:spcBef>
+            <a:spcAft>
+              <a:spcPct val="15000"/>
+            </a:spcAft>
+            <a:buChar char="••"/>
+          </a:pPr>
+          <a:r>
+            <a:rPr lang="en-US" sz="1400" kern="1200" dirty="0" smtClean="0"/>
+            <a:t>Can configured outside the app</a:t>
+          </a:r>
+          <a:endParaRPr lang="en-US" sz="1400" kern="1200" dirty="0"/>
+        </a:p>
+      </dsp:txBody>
+      <dsp:txXfrm rot="-5400000">
+        <a:off x="2732694" y="3219704"/>
+        <a:ext cx="4819917" cy="706227"/>
+      </dsp:txXfrm>
+    </dsp:sp>
+    <dsp:sp modelId="{BF6D1C3C-F5EB-40A9-ACDA-34B5A9600B97}">
+      <dsp:nvSpPr>
+        <dsp:cNvPr id="0" name=""/>
+        <dsp:cNvSpPr/>
+      </dsp:nvSpPr>
+      <dsp:spPr>
+        <a:xfrm>
+          <a:off x="0" y="3083669"/>
+          <a:ext cx="2732694" cy="978296"/>
+        </a:xfrm>
+        <a:prstGeom prst="roundRect">
+          <a:avLst/>
+        </a:prstGeom>
+        <a:solidFill>
+          <a:schemeClr val="accent1">
+            <a:hueOff val="0"/>
+            <a:satOff val="0"/>
+            <a:lumOff val="0"/>
+            <a:alphaOff val="0"/>
+          </a:schemeClr>
+        </a:solidFill>
+        <a:ln w="12700" cap="flat" cmpd="sng" algn="ctr">
+          <a:solidFill>
+            <a:schemeClr val="lt1">
+              <a:hueOff val="0"/>
+              <a:satOff val="0"/>
+              <a:lumOff val="0"/>
+              <a:alphaOff val="0"/>
+            </a:schemeClr>
+          </a:solidFill>
+          <a:prstDash val="solid"/>
+          <a:miter lim="800000"/>
+        </a:ln>
+        <a:effectLst/>
+      </dsp:spPr>
+      <dsp:style>
+        <a:lnRef idx="2">
+          <a:scrgbClr r="0" g="0" b="0"/>
+        </a:lnRef>
+        <a:fillRef idx="1">
+          <a:scrgbClr r="0" g="0" b="0"/>
+        </a:fillRef>
+        <a:effectRef idx="0">
+          <a:scrgbClr r="0" g="0" b="0"/>
+        </a:effectRef>
+        <a:fontRef idx="minor">
+          <a:schemeClr val="lt1"/>
+        </a:fontRef>
+      </dsp:style>
+      <dsp:txBody>
+        <a:bodyPr spcFirstLastPara="0" vert="horz" wrap="square" lIns="102870" tIns="51435" rIns="102870" bIns="51435" numCol="1" spcCol="1270" anchor="ctr" anchorCtr="0">
+          <a:noAutofit/>
+        </a:bodyPr>
+        <a:lstStyle/>
+        <a:p>
+          <a:pPr lvl="0" algn="ctr" defTabSz="1200150">
+            <a:lnSpc>
+              <a:spcPct val="90000"/>
+            </a:lnSpc>
+            <a:spcBef>
+              <a:spcPct val="0"/>
+            </a:spcBef>
+            <a:spcAft>
+              <a:spcPct val="35000"/>
+            </a:spcAft>
+          </a:pPr>
+          <a:r>
+            <a:rPr lang="en-US" sz="2700" kern="1200" dirty="0" smtClean="0"/>
+            <a:t>Database Independence</a:t>
+          </a:r>
+          <a:endParaRPr lang="en-US" sz="2700" kern="1200" dirty="0"/>
+        </a:p>
+      </dsp:txBody>
+      <dsp:txXfrm>
+        <a:off x="47756" y="3131425"/>
+        <a:ext cx="2637182" cy="882784"/>
+      </dsp:txXfrm>
+    </dsp:sp>
   </dsp:spTree>
 </dsp:drawing>
 </file>
@@ -2627,6 +3373,384 @@
       <dsp:cNvGrpSpPr/>
     </dsp:nvGrpSpPr>
     <dsp:grpSpPr/>
+    <dsp:sp modelId="{6D2FE1F6-5186-418C-9DA5-A9AA702D073D}">
+      <dsp:nvSpPr>
+        <dsp:cNvPr id="0" name=""/>
+        <dsp:cNvSpPr/>
+      </dsp:nvSpPr>
+      <dsp:spPr>
+        <a:xfrm>
+          <a:off x="5357" y="1551582"/>
+          <a:ext cx="1601390" cy="960834"/>
+        </a:xfrm>
+        <a:prstGeom prst="roundRect">
+          <a:avLst>
+            <a:gd name="adj" fmla="val 10000"/>
+          </a:avLst>
+        </a:prstGeom>
+        <a:solidFill>
+          <a:schemeClr val="accent1">
+            <a:hueOff val="0"/>
+            <a:satOff val="0"/>
+            <a:lumOff val="0"/>
+            <a:alphaOff val="0"/>
+          </a:schemeClr>
+        </a:solidFill>
+        <a:ln w="12700" cap="flat" cmpd="sng" algn="ctr">
+          <a:solidFill>
+            <a:schemeClr val="lt1">
+              <a:hueOff val="0"/>
+              <a:satOff val="0"/>
+              <a:lumOff val="0"/>
+              <a:alphaOff val="0"/>
+            </a:schemeClr>
+          </a:solidFill>
+          <a:prstDash val="solid"/>
+          <a:miter lim="800000"/>
+        </a:ln>
+        <a:effectLst/>
+      </dsp:spPr>
+      <dsp:style>
+        <a:lnRef idx="2">
+          <a:scrgbClr r="0" g="0" b="0"/>
+        </a:lnRef>
+        <a:fillRef idx="1">
+          <a:scrgbClr r="0" g="0" b="0"/>
+        </a:fillRef>
+        <a:effectRef idx="0">
+          <a:scrgbClr r="0" g="0" b="0"/>
+        </a:effectRef>
+        <a:fontRef idx="minor">
+          <a:schemeClr val="lt1"/>
+        </a:fontRef>
+      </dsp:style>
+      <dsp:txBody>
+        <a:bodyPr spcFirstLastPara="0" vert="horz" wrap="square" lIns="95250" tIns="95250" rIns="95250" bIns="95250" numCol="1" spcCol="1270" anchor="ctr" anchorCtr="0">
+          <a:noAutofit/>
+        </a:bodyPr>
+        <a:lstStyle/>
+        <a:p>
+          <a:pPr lvl="0" algn="ctr" defTabSz="1111250">
+            <a:lnSpc>
+              <a:spcPct val="90000"/>
+            </a:lnSpc>
+            <a:spcBef>
+              <a:spcPct val="0"/>
+            </a:spcBef>
+            <a:spcAft>
+              <a:spcPct val="35000"/>
+            </a:spcAft>
+          </a:pPr>
+          <a:r>
+            <a:rPr lang="en-US" sz="2500" kern="1200" dirty="0" smtClean="0"/>
+            <a:t>Class Definition</a:t>
+          </a:r>
+          <a:endParaRPr lang="en-US" sz="2500" kern="1200" dirty="0"/>
+        </a:p>
+      </dsp:txBody>
+      <dsp:txXfrm>
+        <a:off x="33499" y="1579724"/>
+        <a:ext cx="1545106" cy="904550"/>
+      </dsp:txXfrm>
+    </dsp:sp>
+    <dsp:sp modelId="{28BA700E-5996-4A48-8817-F366F1BC015E}">
+      <dsp:nvSpPr>
+        <dsp:cNvPr id="0" name=""/>
+        <dsp:cNvSpPr/>
+      </dsp:nvSpPr>
+      <dsp:spPr>
+        <a:xfrm>
+          <a:off x="1766887" y="1833427"/>
+          <a:ext cx="339494" cy="397144"/>
+        </a:xfrm>
+        <a:prstGeom prst="rightArrow">
+          <a:avLst>
+            <a:gd name="adj1" fmla="val 60000"/>
+            <a:gd name="adj2" fmla="val 50000"/>
+          </a:avLst>
+        </a:prstGeom>
+        <a:solidFill>
+          <a:schemeClr val="accent1">
+            <a:tint val="60000"/>
+            <a:hueOff val="0"/>
+            <a:satOff val="0"/>
+            <a:lumOff val="0"/>
+            <a:alphaOff val="0"/>
+          </a:schemeClr>
+        </a:solidFill>
+        <a:ln>
+          <a:noFill/>
+        </a:ln>
+        <a:effectLst/>
+      </dsp:spPr>
+      <dsp:style>
+        <a:lnRef idx="0">
+          <a:scrgbClr r="0" g="0" b="0"/>
+        </a:lnRef>
+        <a:fillRef idx="1">
+          <a:scrgbClr r="0" g="0" b="0"/>
+        </a:fillRef>
+        <a:effectRef idx="0">
+          <a:scrgbClr r="0" g="0" b="0"/>
+        </a:effectRef>
+        <a:fontRef idx="minor">
+          <a:schemeClr val="lt1"/>
+        </a:fontRef>
+      </dsp:style>
+      <dsp:txBody>
+        <a:bodyPr spcFirstLastPara="0" vert="horz" wrap="square" lIns="0" tIns="0" rIns="0" bIns="0" numCol="1" spcCol="1270" anchor="ctr" anchorCtr="0">
+          <a:noAutofit/>
+        </a:bodyPr>
+        <a:lstStyle/>
+        <a:p>
+          <a:pPr lvl="0" algn="ctr" defTabSz="755650">
+            <a:lnSpc>
+              <a:spcPct val="90000"/>
+            </a:lnSpc>
+            <a:spcBef>
+              <a:spcPct val="0"/>
+            </a:spcBef>
+            <a:spcAft>
+              <a:spcPct val="35000"/>
+            </a:spcAft>
+          </a:pPr>
+          <a:endParaRPr lang="en-US" sz="1700" kern="1200"/>
+        </a:p>
+      </dsp:txBody>
+      <dsp:txXfrm>
+        <a:off x="1766887" y="1912856"/>
+        <a:ext cx="237646" cy="238286"/>
+      </dsp:txXfrm>
+    </dsp:sp>
+    <dsp:sp modelId="{08A7F11A-71FF-4F39-8038-0D79E09C0ABE}">
+      <dsp:nvSpPr>
+        <dsp:cNvPr id="0" name=""/>
+        <dsp:cNvSpPr/>
+      </dsp:nvSpPr>
+      <dsp:spPr>
+        <a:xfrm>
+          <a:off x="2247304" y="1551582"/>
+          <a:ext cx="1601390" cy="960834"/>
+        </a:xfrm>
+        <a:prstGeom prst="roundRect">
+          <a:avLst>
+            <a:gd name="adj" fmla="val 10000"/>
+          </a:avLst>
+        </a:prstGeom>
+        <a:solidFill>
+          <a:schemeClr val="accent1">
+            <a:hueOff val="0"/>
+            <a:satOff val="0"/>
+            <a:lumOff val="0"/>
+            <a:alphaOff val="0"/>
+          </a:schemeClr>
+        </a:solidFill>
+        <a:ln w="12700" cap="flat" cmpd="sng" algn="ctr">
+          <a:solidFill>
+            <a:schemeClr val="lt1">
+              <a:hueOff val="0"/>
+              <a:satOff val="0"/>
+              <a:lumOff val="0"/>
+              <a:alphaOff val="0"/>
+            </a:schemeClr>
+          </a:solidFill>
+          <a:prstDash val="solid"/>
+          <a:miter lim="800000"/>
+        </a:ln>
+        <a:effectLst/>
+      </dsp:spPr>
+      <dsp:style>
+        <a:lnRef idx="2">
+          <a:scrgbClr r="0" g="0" b="0"/>
+        </a:lnRef>
+        <a:fillRef idx="1">
+          <a:scrgbClr r="0" g="0" b="0"/>
+        </a:fillRef>
+        <a:effectRef idx="0">
+          <a:scrgbClr r="0" g="0" b="0"/>
+        </a:effectRef>
+        <a:fontRef idx="minor">
+          <a:schemeClr val="lt1"/>
+        </a:fontRef>
+      </dsp:style>
+      <dsp:txBody>
+        <a:bodyPr spcFirstLastPara="0" vert="horz" wrap="square" lIns="95250" tIns="95250" rIns="95250" bIns="95250" numCol="1" spcCol="1270" anchor="ctr" anchorCtr="0">
+          <a:noAutofit/>
+        </a:bodyPr>
+        <a:lstStyle/>
+        <a:p>
+          <a:pPr lvl="0" algn="ctr" defTabSz="1111250">
+            <a:lnSpc>
+              <a:spcPct val="90000"/>
+            </a:lnSpc>
+            <a:spcBef>
+              <a:spcPct val="0"/>
+            </a:spcBef>
+            <a:spcAft>
+              <a:spcPct val="35000"/>
+            </a:spcAft>
+          </a:pPr>
+          <a:r>
+            <a:rPr lang="en-US" sz="2500" kern="1200" dirty="0" smtClean="0"/>
+            <a:t>Mapping Metadata</a:t>
+          </a:r>
+          <a:endParaRPr lang="en-US" sz="2500" kern="1200" dirty="0"/>
+        </a:p>
+      </dsp:txBody>
+      <dsp:txXfrm>
+        <a:off x="2275446" y="1579724"/>
+        <a:ext cx="1545106" cy="904550"/>
+      </dsp:txXfrm>
+    </dsp:sp>
+    <dsp:sp modelId="{F8109F25-0C33-4815-8DAE-DB20B26AA728}">
+      <dsp:nvSpPr>
+        <dsp:cNvPr id="0" name=""/>
+        <dsp:cNvSpPr/>
+      </dsp:nvSpPr>
+      <dsp:spPr>
+        <a:xfrm>
+          <a:off x="4008834" y="1833427"/>
+          <a:ext cx="339494" cy="397144"/>
+        </a:xfrm>
+        <a:prstGeom prst="rightArrow">
+          <a:avLst>
+            <a:gd name="adj1" fmla="val 60000"/>
+            <a:gd name="adj2" fmla="val 50000"/>
+          </a:avLst>
+        </a:prstGeom>
+        <a:solidFill>
+          <a:schemeClr val="accent1">
+            <a:tint val="60000"/>
+            <a:hueOff val="0"/>
+            <a:satOff val="0"/>
+            <a:lumOff val="0"/>
+            <a:alphaOff val="0"/>
+          </a:schemeClr>
+        </a:solidFill>
+        <a:ln>
+          <a:noFill/>
+        </a:ln>
+        <a:effectLst/>
+      </dsp:spPr>
+      <dsp:style>
+        <a:lnRef idx="0">
+          <a:scrgbClr r="0" g="0" b="0"/>
+        </a:lnRef>
+        <a:fillRef idx="1">
+          <a:scrgbClr r="0" g="0" b="0"/>
+        </a:fillRef>
+        <a:effectRef idx="0">
+          <a:scrgbClr r="0" g="0" b="0"/>
+        </a:effectRef>
+        <a:fontRef idx="minor">
+          <a:schemeClr val="lt1"/>
+        </a:fontRef>
+      </dsp:style>
+      <dsp:txBody>
+        <a:bodyPr spcFirstLastPara="0" vert="horz" wrap="square" lIns="0" tIns="0" rIns="0" bIns="0" numCol="1" spcCol="1270" anchor="ctr" anchorCtr="0">
+          <a:noAutofit/>
+        </a:bodyPr>
+        <a:lstStyle/>
+        <a:p>
+          <a:pPr lvl="0" algn="ctr" defTabSz="755650">
+            <a:lnSpc>
+              <a:spcPct val="90000"/>
+            </a:lnSpc>
+            <a:spcBef>
+              <a:spcPct val="0"/>
+            </a:spcBef>
+            <a:spcAft>
+              <a:spcPct val="35000"/>
+            </a:spcAft>
+          </a:pPr>
+          <a:endParaRPr lang="en-US" sz="1700" kern="1200"/>
+        </a:p>
+      </dsp:txBody>
+      <dsp:txXfrm>
+        <a:off x="4008834" y="1912856"/>
+        <a:ext cx="237646" cy="238286"/>
+      </dsp:txXfrm>
+    </dsp:sp>
+    <dsp:sp modelId="{B6D6344B-CB32-4A58-A68C-27F4E994C2DF}">
+      <dsp:nvSpPr>
+        <dsp:cNvPr id="0" name=""/>
+        <dsp:cNvSpPr/>
+      </dsp:nvSpPr>
+      <dsp:spPr>
+        <a:xfrm>
+          <a:off x="4489251" y="1551582"/>
+          <a:ext cx="1601390" cy="960834"/>
+        </a:xfrm>
+        <a:prstGeom prst="roundRect">
+          <a:avLst>
+            <a:gd name="adj" fmla="val 10000"/>
+          </a:avLst>
+        </a:prstGeom>
+        <a:solidFill>
+          <a:schemeClr val="accent1">
+            <a:hueOff val="0"/>
+            <a:satOff val="0"/>
+            <a:lumOff val="0"/>
+            <a:alphaOff val="0"/>
+          </a:schemeClr>
+        </a:solidFill>
+        <a:ln w="12700" cap="flat" cmpd="sng" algn="ctr">
+          <a:solidFill>
+            <a:schemeClr val="lt1">
+              <a:hueOff val="0"/>
+              <a:satOff val="0"/>
+              <a:lumOff val="0"/>
+              <a:alphaOff val="0"/>
+            </a:schemeClr>
+          </a:solidFill>
+          <a:prstDash val="solid"/>
+          <a:miter lim="800000"/>
+        </a:ln>
+        <a:effectLst/>
+      </dsp:spPr>
+      <dsp:style>
+        <a:lnRef idx="2">
+          <a:scrgbClr r="0" g="0" b="0"/>
+        </a:lnRef>
+        <a:fillRef idx="1">
+          <a:scrgbClr r="0" g="0" b="0"/>
+        </a:fillRef>
+        <a:effectRef idx="0">
+          <a:scrgbClr r="0" g="0" b="0"/>
+        </a:effectRef>
+        <a:fontRef idx="minor">
+          <a:schemeClr val="lt1"/>
+        </a:fontRef>
+      </dsp:style>
+      <dsp:txBody>
+        <a:bodyPr spcFirstLastPara="0" vert="horz" wrap="square" lIns="95250" tIns="95250" rIns="95250" bIns="95250" numCol="1" spcCol="1270" anchor="ctr" anchorCtr="0">
+          <a:noAutofit/>
+        </a:bodyPr>
+        <a:lstStyle/>
+        <a:p>
+          <a:pPr lvl="0" algn="ctr" defTabSz="1111250">
+            <a:lnSpc>
+              <a:spcPct val="90000"/>
+            </a:lnSpc>
+            <a:spcBef>
+              <a:spcPct val="0"/>
+            </a:spcBef>
+            <a:spcAft>
+              <a:spcPct val="35000"/>
+            </a:spcAft>
+          </a:pPr>
+          <a:r>
+            <a:rPr lang="en-US" sz="2500" kern="1200" dirty="0" smtClean="0"/>
+            <a:t>Database Schema</a:t>
+          </a:r>
+          <a:endParaRPr lang="en-US" sz="2500" kern="1200" dirty="0"/>
+        </a:p>
+      </dsp:txBody>
+      <dsp:txXfrm>
+        <a:off x="4517393" y="1579724"/>
+        <a:ext cx="1545106" cy="904550"/>
+      </dsp:txXfrm>
+    </dsp:sp>
   </dsp:spTree>
 </dsp:drawing>
 </file>
@@ -5209,7 +6333,7 @@
           <a:p>
             <a:fld id="{A254CC92-A4AB-4748-8201-8CC8FC025F54}" type="datetimeFigureOut">
               <a:rPr lang="en-US" smtClean="0"/>
-              <a:t>1/31/2015</a:t>
+              <a:t>2/3/2015</a:t>
             </a:fld>
             <a:endParaRPr lang="en-US"/>
           </a:p>
@@ -5379,7 +6503,7 @@
           <a:p>
             <a:fld id="{A254CC92-A4AB-4748-8201-8CC8FC025F54}" type="datetimeFigureOut">
               <a:rPr lang="en-US" smtClean="0"/>
-              <a:t>1/31/2015</a:t>
+              <a:t>2/3/2015</a:t>
             </a:fld>
             <a:endParaRPr lang="en-US"/>
           </a:p>
@@ -5559,7 +6683,7 @@
           <a:p>
             <a:fld id="{A254CC92-A4AB-4748-8201-8CC8FC025F54}" type="datetimeFigureOut">
               <a:rPr lang="en-US" smtClean="0"/>
-              <a:t>1/31/2015</a:t>
+              <a:t>2/3/2015</a:t>
             </a:fld>
             <a:endParaRPr lang="en-US"/>
           </a:p>
@@ -5729,7 +6853,7 @@
           <a:p>
             <a:fld id="{A254CC92-A4AB-4748-8201-8CC8FC025F54}" type="datetimeFigureOut">
               <a:rPr lang="en-US" smtClean="0"/>
-              <a:t>1/31/2015</a:t>
+              <a:t>2/3/2015</a:t>
             </a:fld>
             <a:endParaRPr lang="en-US"/>
           </a:p>
@@ -5973,7 +7097,7 @@
           <a:p>
             <a:fld id="{A254CC92-A4AB-4748-8201-8CC8FC025F54}" type="datetimeFigureOut">
               <a:rPr lang="en-US" smtClean="0"/>
-              <a:t>1/31/2015</a:t>
+              <a:t>2/3/2015</a:t>
             </a:fld>
             <a:endParaRPr lang="en-US"/>
           </a:p>
@@ -6205,7 +7329,7 @@
           <a:p>
             <a:fld id="{A254CC92-A4AB-4748-8201-8CC8FC025F54}" type="datetimeFigureOut">
               <a:rPr lang="en-US" smtClean="0"/>
-              <a:t>1/31/2015</a:t>
+              <a:t>2/3/2015</a:t>
             </a:fld>
             <a:endParaRPr lang="en-US"/>
           </a:p>
@@ -6572,7 +7696,7 @@
           <a:p>
             <a:fld id="{A254CC92-A4AB-4748-8201-8CC8FC025F54}" type="datetimeFigureOut">
               <a:rPr lang="en-US" smtClean="0"/>
-              <a:t>1/31/2015</a:t>
+              <a:t>2/3/2015</a:t>
             </a:fld>
             <a:endParaRPr lang="en-US"/>
           </a:p>
@@ -6690,7 +7814,7 @@
           <a:p>
             <a:fld id="{A254CC92-A4AB-4748-8201-8CC8FC025F54}" type="datetimeFigureOut">
               <a:rPr lang="en-US" smtClean="0"/>
-              <a:t>1/31/2015</a:t>
+              <a:t>2/3/2015</a:t>
             </a:fld>
             <a:endParaRPr lang="en-US"/>
           </a:p>
@@ -6785,7 +7909,7 @@
           <a:p>
             <a:fld id="{A254CC92-A4AB-4748-8201-8CC8FC025F54}" type="datetimeFigureOut">
               <a:rPr lang="en-US" smtClean="0"/>
-              <a:t>1/31/2015</a:t>
+              <a:t>2/3/2015</a:t>
             </a:fld>
             <a:endParaRPr lang="en-US"/>
           </a:p>
@@ -7062,7 +8186,7 @@
           <a:p>
             <a:fld id="{A254CC92-A4AB-4748-8201-8CC8FC025F54}" type="datetimeFigureOut">
               <a:rPr lang="en-US" smtClean="0"/>
-              <a:t>1/31/2015</a:t>
+              <a:t>2/3/2015</a:t>
             </a:fld>
             <a:endParaRPr lang="en-US"/>
           </a:p>
@@ -7319,7 +8443,7 @@
           <a:p>
             <a:fld id="{A254CC92-A4AB-4748-8201-8CC8FC025F54}" type="datetimeFigureOut">
               <a:rPr lang="en-US" smtClean="0"/>
-              <a:t>1/31/2015</a:t>
+              <a:t>2/3/2015</a:t>
             </a:fld>
             <a:endParaRPr lang="en-US"/>
           </a:p>
@@ -7532,7 +8656,7 @@
           <a:p>
             <a:fld id="{A254CC92-A4AB-4748-8201-8CC8FC025F54}" type="datetimeFigureOut">
               <a:rPr lang="en-US" smtClean="0"/>
-              <a:t>1/31/2015</a:t>
+              <a:t>2/3/2015</a:t>
             </a:fld>
             <a:endParaRPr lang="en-US"/>
           </a:p>
@@ -8210,7 +9334,7 @@
         </p:blipFill>
         <p:spPr>
           <a:xfrm>
-            <a:off x="4924425" y="3821111"/>
+            <a:off x="790169" y="3587647"/>
             <a:ext cx="4038600" cy="2853751"/>
           </a:xfrm>
           <a:prstGeom prst="rect">
@@ -8278,30 +9402,6 @@
           </a:p>
         </p:txBody>
       </p:sp>
-      <p:sp>
-        <p:nvSpPr>
-          <p:cNvPr id="3" name="Content Placeholder 2"/>
-          <p:cNvSpPr>
-            <a:spLocks noGrp="1"/>
-          </p:cNvSpPr>
-          <p:nvPr>
-            <p:ph idx="1"/>
-          </p:nvPr>
-        </p:nvSpPr>
-        <p:spPr>
-          <a:xfrm>
-            <a:off x="628650" y="1825625"/>
-            <a:ext cx="3371850" cy="4351338"/>
-          </a:xfrm>
-        </p:spPr>
-        <p:txBody>
-          <a:bodyPr/>
-          <a:lstStyle/>
-          <a:p>
-            <a:endParaRPr lang="en-US" dirty="0"/>
-          </a:p>
-        </p:txBody>
-      </p:sp>
       <p:pic>
         <p:nvPicPr>
           <p:cNvPr id="4" name="Picture 3"/>
@@ -8318,7 +9418,7 @@
         </p:blipFill>
         <p:spPr>
           <a:xfrm>
-            <a:off x="4391025" y="1825625"/>
+            <a:off x="723698" y="1690689"/>
             <a:ext cx="4476750" cy="3105150"/>
           </a:xfrm>
           <a:prstGeom prst="rect">
@@ -8379,25 +9479,30 @@
           </a:p>
         </p:txBody>
       </p:sp>
-      <p:sp>
-        <p:nvSpPr>
-          <p:cNvPr id="3" name="Content Placeholder 2"/>
-          <p:cNvSpPr>
-            <a:spLocks noGrp="1"/>
-          </p:cNvSpPr>
-          <p:nvPr>
-            <p:ph idx="1"/>
-          </p:nvPr>
-        </p:nvSpPr>
-        <p:spPr/>
-        <p:txBody>
-          <a:bodyPr/>
-          <a:lstStyle/>
-          <a:p>
-            <a:endParaRPr lang="en-US"/>
-          </a:p>
-        </p:txBody>
-      </p:sp>
+      <p:pic>
+        <p:nvPicPr>
+          <p:cNvPr id="4" name="Picture 3"/>
+          <p:cNvPicPr>
+            <a:picLocks noChangeAspect="1"/>
+          </p:cNvPicPr>
+          <p:nvPr/>
+        </p:nvPicPr>
+        <p:blipFill>
+          <a:blip r:embed="rId2"/>
+          <a:stretch>
+            <a:fillRect/>
+          </a:stretch>
+        </p:blipFill>
+        <p:spPr>
+          <a:xfrm>
+            <a:off x="194706" y="1994169"/>
+            <a:ext cx="8754588" cy="3674318"/>
+          </a:xfrm>
+          <a:prstGeom prst="rect">
+            <a:avLst/>
+          </a:prstGeom>
+        </p:spPr>
+      </p:pic>
     </p:spTree>
     <p:extLst>
       <p:ext uri="{BB962C8B-B14F-4D97-AF65-F5344CB8AC3E}">
@@ -8412,222 +9517,6 @@
 </file>
 
 <file path=ppt/slides/slide14.xml><?xml version="1.0" encoding="utf-8"?>
-<p:sld xmlns:a="http://schemas.openxmlformats.org/drawingml/2006/main" xmlns:r="http://schemas.openxmlformats.org/officeDocument/2006/relationships" xmlns:p="http://schemas.openxmlformats.org/presentationml/2006/main">
-  <p:cSld>
-    <p:spTree>
-      <p:nvGrpSpPr>
-        <p:cNvPr id="1" name=""/>
-        <p:cNvGrpSpPr/>
-        <p:nvPr/>
-      </p:nvGrpSpPr>
-      <p:grpSpPr>
-        <a:xfrm>
-          <a:off x="0" y="0"/>
-          <a:ext cx="0" cy="0"/>
-          <a:chOff x="0" y="0"/>
-          <a:chExt cx="0" cy="0"/>
-        </a:xfrm>
-      </p:grpSpPr>
-      <p:sp>
-        <p:nvSpPr>
-          <p:cNvPr id="2" name="Title 1"/>
-          <p:cNvSpPr>
-            <a:spLocks noGrp="1"/>
-          </p:cNvSpPr>
-          <p:nvPr>
-            <p:ph type="title"/>
-          </p:nvPr>
-        </p:nvSpPr>
-        <p:spPr/>
-        <p:txBody>
-          <a:bodyPr/>
-          <a:lstStyle/>
-          <a:p>
-            <a:r>
-              <a:rPr lang="en-US" dirty="0" smtClean="0"/>
-              <a:t>Fluent Mapping</a:t>
-            </a:r>
-            <a:endParaRPr lang="en-US" dirty="0"/>
-          </a:p>
-        </p:txBody>
-      </p:sp>
-      <p:sp>
-        <p:nvSpPr>
-          <p:cNvPr id="3" name="Content Placeholder 2"/>
-          <p:cNvSpPr>
-            <a:spLocks noGrp="1"/>
-          </p:cNvSpPr>
-          <p:nvPr>
-            <p:ph idx="1"/>
-          </p:nvPr>
-        </p:nvSpPr>
-        <p:spPr/>
-        <p:txBody>
-          <a:bodyPr/>
-          <a:lstStyle/>
-          <a:p>
-            <a:endParaRPr lang="en-US"/>
-          </a:p>
-        </p:txBody>
-      </p:sp>
-    </p:spTree>
-    <p:extLst>
-      <p:ext uri="{BB962C8B-B14F-4D97-AF65-F5344CB8AC3E}">
-        <p14:creationId xmlns:p14="http://schemas.microsoft.com/office/powerpoint/2010/main" val="3528532602"/>
-      </p:ext>
-    </p:extLst>
-  </p:cSld>
-  <p:clrMapOvr>
-    <a:masterClrMapping/>
-  </p:clrMapOvr>
-</p:sld>
-</file>
-
-<file path=ppt/slides/slide15.xml><?xml version="1.0" encoding="utf-8"?>
-<p:sld xmlns:a="http://schemas.openxmlformats.org/drawingml/2006/main" xmlns:r="http://schemas.openxmlformats.org/officeDocument/2006/relationships" xmlns:p="http://schemas.openxmlformats.org/presentationml/2006/main">
-  <p:cSld>
-    <p:spTree>
-      <p:nvGrpSpPr>
-        <p:cNvPr id="1" name=""/>
-        <p:cNvGrpSpPr/>
-        <p:nvPr/>
-      </p:nvGrpSpPr>
-      <p:grpSpPr>
-        <a:xfrm>
-          <a:off x="0" y="0"/>
-          <a:ext cx="0" cy="0"/>
-          <a:chOff x="0" y="0"/>
-          <a:chExt cx="0" cy="0"/>
-        </a:xfrm>
-      </p:grpSpPr>
-      <p:sp>
-        <p:nvSpPr>
-          <p:cNvPr id="2" name="Title 1"/>
-          <p:cNvSpPr>
-            <a:spLocks noGrp="1"/>
-          </p:cNvSpPr>
-          <p:nvPr>
-            <p:ph type="title"/>
-          </p:nvPr>
-        </p:nvSpPr>
-        <p:spPr/>
-        <p:txBody>
-          <a:bodyPr/>
-          <a:lstStyle/>
-          <a:p>
-            <a:r>
-              <a:rPr lang="en-US" dirty="0" smtClean="0"/>
-              <a:t>Normal Configuration</a:t>
-            </a:r>
-            <a:endParaRPr lang="en-US" dirty="0"/>
-          </a:p>
-        </p:txBody>
-      </p:sp>
-      <p:sp>
-        <p:nvSpPr>
-          <p:cNvPr id="3" name="Content Placeholder 2"/>
-          <p:cNvSpPr>
-            <a:spLocks noGrp="1"/>
-          </p:cNvSpPr>
-          <p:nvPr>
-            <p:ph idx="1"/>
-          </p:nvPr>
-        </p:nvSpPr>
-        <p:spPr/>
-        <p:txBody>
-          <a:bodyPr/>
-          <a:lstStyle/>
-          <a:p>
-            <a:endParaRPr lang="en-US"/>
-          </a:p>
-        </p:txBody>
-      </p:sp>
-    </p:spTree>
-    <p:extLst>
-      <p:ext uri="{BB962C8B-B14F-4D97-AF65-F5344CB8AC3E}">
-        <p14:creationId xmlns:p14="http://schemas.microsoft.com/office/powerpoint/2010/main" val="3924819753"/>
-      </p:ext>
-    </p:extLst>
-  </p:cSld>
-  <p:clrMapOvr>
-    <a:masterClrMapping/>
-  </p:clrMapOvr>
-</p:sld>
-</file>
-
-<file path=ppt/slides/slide16.xml><?xml version="1.0" encoding="utf-8"?>
-<p:sld xmlns:a="http://schemas.openxmlformats.org/drawingml/2006/main" xmlns:r="http://schemas.openxmlformats.org/officeDocument/2006/relationships" xmlns:p="http://schemas.openxmlformats.org/presentationml/2006/main">
-  <p:cSld>
-    <p:spTree>
-      <p:nvGrpSpPr>
-        <p:cNvPr id="1" name=""/>
-        <p:cNvGrpSpPr/>
-        <p:nvPr/>
-      </p:nvGrpSpPr>
-      <p:grpSpPr>
-        <a:xfrm>
-          <a:off x="0" y="0"/>
-          <a:ext cx="0" cy="0"/>
-          <a:chOff x="0" y="0"/>
-          <a:chExt cx="0" cy="0"/>
-        </a:xfrm>
-      </p:grpSpPr>
-      <p:sp>
-        <p:nvSpPr>
-          <p:cNvPr id="2" name="Title 1"/>
-          <p:cNvSpPr>
-            <a:spLocks noGrp="1"/>
-          </p:cNvSpPr>
-          <p:nvPr>
-            <p:ph type="title"/>
-          </p:nvPr>
-        </p:nvSpPr>
-        <p:spPr/>
-        <p:txBody>
-          <a:bodyPr/>
-          <a:lstStyle/>
-          <a:p>
-            <a:r>
-              <a:rPr lang="en-US" dirty="0" smtClean="0"/>
-              <a:t>Fluent Configuration</a:t>
-            </a:r>
-            <a:endParaRPr lang="en-US" dirty="0"/>
-          </a:p>
-        </p:txBody>
-      </p:sp>
-      <p:sp>
-        <p:nvSpPr>
-          <p:cNvPr id="3" name="Content Placeholder 2"/>
-          <p:cNvSpPr>
-            <a:spLocks noGrp="1"/>
-          </p:cNvSpPr>
-          <p:nvPr>
-            <p:ph idx="1"/>
-          </p:nvPr>
-        </p:nvSpPr>
-        <p:spPr/>
-        <p:txBody>
-          <a:bodyPr/>
-          <a:lstStyle/>
-          <a:p>
-            <a:endParaRPr lang="en-US"/>
-          </a:p>
-        </p:txBody>
-      </p:sp>
-    </p:spTree>
-    <p:extLst>
-      <p:ext uri="{BB962C8B-B14F-4D97-AF65-F5344CB8AC3E}">
-        <p14:creationId xmlns:p14="http://schemas.microsoft.com/office/powerpoint/2010/main" val="3061555976"/>
-      </p:ext>
-    </p:extLst>
-  </p:cSld>
-  <p:clrMapOvr>
-    <a:masterClrMapping/>
-  </p:clrMapOvr>
-</p:sld>
-</file>
-
-<file path=ppt/slides/slide17.xml><?xml version="1.0" encoding="utf-8"?>
 <p:sld xmlns:a="http://schemas.openxmlformats.org/drawingml/2006/main" xmlns:r="http://schemas.openxmlformats.org/officeDocument/2006/relationships" xmlns:p="http://schemas.openxmlformats.org/presentationml/2006/main">
   <p:cSld>
     <p:spTree>
@@ -8937,6 +9826,303 @@
 </p:sld>
 </file>
 
+<file path=ppt/slides/slide15.xml><?xml version="1.0" encoding="utf-8"?>
+<p:sld xmlns:a="http://schemas.openxmlformats.org/drawingml/2006/main" xmlns:r="http://schemas.openxmlformats.org/officeDocument/2006/relationships" xmlns:p="http://schemas.openxmlformats.org/presentationml/2006/main">
+  <p:cSld>
+    <p:spTree>
+      <p:nvGrpSpPr>
+        <p:cNvPr id="1" name=""/>
+        <p:cNvGrpSpPr/>
+        <p:nvPr/>
+      </p:nvGrpSpPr>
+      <p:grpSpPr>
+        <a:xfrm>
+          <a:off x="0" y="0"/>
+          <a:ext cx="0" cy="0"/>
+          <a:chOff x="0" y="0"/>
+          <a:chExt cx="0" cy="0"/>
+        </a:xfrm>
+      </p:grpSpPr>
+      <p:sp>
+        <p:nvSpPr>
+          <p:cNvPr id="2" name="Title 1"/>
+          <p:cNvSpPr>
+            <a:spLocks noGrp="1"/>
+          </p:cNvSpPr>
+          <p:nvPr>
+            <p:ph type="title"/>
+          </p:nvPr>
+        </p:nvSpPr>
+        <p:spPr/>
+        <p:txBody>
+          <a:bodyPr/>
+          <a:lstStyle/>
+          <a:p>
+            <a:r>
+              <a:rPr lang="en-US" dirty="0" smtClean="0"/>
+              <a:t>Session Factory</a:t>
+            </a:r>
+            <a:endParaRPr lang="en-US" dirty="0"/>
+          </a:p>
+        </p:txBody>
+      </p:sp>
+      <p:sp>
+        <p:nvSpPr>
+          <p:cNvPr id="3" name="Content Placeholder 2"/>
+          <p:cNvSpPr>
+            <a:spLocks noGrp="1"/>
+          </p:cNvSpPr>
+          <p:nvPr>
+            <p:ph idx="1"/>
+          </p:nvPr>
+        </p:nvSpPr>
+        <p:spPr/>
+        <p:txBody>
+          <a:bodyPr/>
+          <a:lstStyle/>
+          <a:p>
+            <a:r>
+              <a:rPr lang="en-US" dirty="0" smtClean="0"/>
+              <a:t>Point of retrieval for session objects</a:t>
+            </a:r>
+          </a:p>
+          <a:p>
+            <a:r>
+              <a:rPr lang="en-US" dirty="0" smtClean="0"/>
+              <a:t>Expensive, so use as little as possible</a:t>
+            </a:r>
+            <a:endParaRPr lang="en-US" dirty="0" smtClean="0"/>
+          </a:p>
+          <a:p>
+            <a:r>
+              <a:rPr lang="en-US" dirty="0" smtClean="0"/>
+              <a:t>Setup management of changes and connections to DB</a:t>
+            </a:r>
+            <a:endParaRPr lang="en-US" dirty="0"/>
+          </a:p>
+        </p:txBody>
+      </p:sp>
+    </p:spTree>
+    <p:extLst>
+      <p:ext uri="{BB962C8B-B14F-4D97-AF65-F5344CB8AC3E}">
+        <p14:creationId xmlns:p14="http://schemas.microsoft.com/office/powerpoint/2010/main" val="1821012247"/>
+      </p:ext>
+    </p:extLst>
+  </p:cSld>
+  <p:clrMapOvr>
+    <a:masterClrMapping/>
+  </p:clrMapOvr>
+</p:sld>
+</file>
+
+<file path=ppt/slides/slide16.xml><?xml version="1.0" encoding="utf-8"?>
+<p:sld xmlns:a="http://schemas.openxmlformats.org/drawingml/2006/main" xmlns:r="http://schemas.openxmlformats.org/officeDocument/2006/relationships" xmlns:p="http://schemas.openxmlformats.org/presentationml/2006/main">
+  <p:cSld>
+    <p:spTree>
+      <p:nvGrpSpPr>
+        <p:cNvPr id="1" name=""/>
+        <p:cNvGrpSpPr/>
+        <p:nvPr/>
+      </p:nvGrpSpPr>
+      <p:grpSpPr>
+        <a:xfrm>
+          <a:off x="0" y="0"/>
+          <a:ext cx="0" cy="0"/>
+          <a:chOff x="0" y="0"/>
+          <a:chExt cx="0" cy="0"/>
+        </a:xfrm>
+      </p:grpSpPr>
+      <p:sp>
+        <p:nvSpPr>
+          <p:cNvPr id="2" name="Title 1"/>
+          <p:cNvSpPr>
+            <a:spLocks noGrp="1"/>
+          </p:cNvSpPr>
+          <p:nvPr>
+            <p:ph type="title"/>
+          </p:nvPr>
+        </p:nvSpPr>
+        <p:spPr/>
+        <p:txBody>
+          <a:bodyPr/>
+          <a:lstStyle/>
+          <a:p>
+            <a:r>
+              <a:rPr lang="en-US" dirty="0" smtClean="0"/>
+              <a:t>Tools</a:t>
+            </a:r>
+            <a:endParaRPr lang="en-US" dirty="0"/>
+          </a:p>
+        </p:txBody>
+      </p:sp>
+      <p:sp>
+        <p:nvSpPr>
+          <p:cNvPr id="3" name="Content Placeholder 2"/>
+          <p:cNvSpPr>
+            <a:spLocks noGrp="1"/>
+          </p:cNvSpPr>
+          <p:nvPr>
+            <p:ph idx="1"/>
+          </p:nvPr>
+        </p:nvSpPr>
+        <p:spPr/>
+        <p:txBody>
+          <a:bodyPr/>
+          <a:lstStyle/>
+          <a:p>
+            <a:r>
+              <a:rPr lang="en-US" dirty="0" smtClean="0">
+                <a:hlinkClick r:id="rId2"/>
+              </a:rPr>
+              <a:t>http</a:t>
+            </a:r>
+            <a:r>
+              <a:rPr lang="en-US" dirty="0">
+                <a:hlinkClick r:id="rId2"/>
+              </a:rPr>
+              <a:t>://www.llblgen.com</a:t>
+            </a:r>
+            <a:r>
+              <a:rPr lang="en-US" dirty="0" smtClean="0">
+                <a:hlinkClick r:id="rId2"/>
+              </a:rPr>
+              <a:t>/</a:t>
+            </a:r>
+            <a:endParaRPr lang="en-US" dirty="0" smtClean="0"/>
+          </a:p>
+          <a:p>
+            <a:r>
+              <a:rPr lang="en-US" dirty="0"/>
+              <a:t>NHibernate Profiler: </a:t>
+            </a:r>
+            <a:r>
+              <a:rPr lang="en-US" dirty="0">
+                <a:hlinkClick r:id="rId3"/>
+              </a:rPr>
+              <a:t>http://</a:t>
+            </a:r>
+            <a:r>
+              <a:rPr lang="en-US" dirty="0" smtClean="0">
+                <a:hlinkClick r:id="rId3"/>
+              </a:rPr>
+              <a:t>www.hibernatingrhinos.com/products/nhprof</a:t>
+            </a:r>
+            <a:endParaRPr lang="en-US" dirty="0"/>
+          </a:p>
+          <a:p>
+            <a:r>
+              <a:rPr lang="en-US" dirty="0">
+                <a:hlinkClick r:id="rId4"/>
+              </a:rPr>
+              <a:t>https://</a:t>
+            </a:r>
+            <a:r>
+              <a:rPr lang="en-US" dirty="0" smtClean="0">
+                <a:hlinkClick r:id="rId4"/>
+              </a:rPr>
+              <a:t>visualstudiogallery.msdn.microsoft.com/0d2cf5b7-d927-49d5-bf9a-9013a2bdecf6</a:t>
+            </a:r>
+            <a:endParaRPr lang="en-US" dirty="0" smtClean="0"/>
+          </a:p>
+          <a:p>
+            <a:endParaRPr lang="en-US" dirty="0"/>
+          </a:p>
+        </p:txBody>
+      </p:sp>
+    </p:spTree>
+    <p:extLst>
+      <p:ext uri="{BB962C8B-B14F-4D97-AF65-F5344CB8AC3E}">
+        <p14:creationId xmlns:p14="http://schemas.microsoft.com/office/powerpoint/2010/main" val="147672178"/>
+      </p:ext>
+    </p:extLst>
+  </p:cSld>
+  <p:clrMapOvr>
+    <a:masterClrMapping/>
+  </p:clrMapOvr>
+</p:sld>
+</file>
+
+<file path=ppt/slides/slide17.xml><?xml version="1.0" encoding="utf-8"?>
+<p:sld xmlns:a="http://schemas.openxmlformats.org/drawingml/2006/main" xmlns:r="http://schemas.openxmlformats.org/officeDocument/2006/relationships" xmlns:p="http://schemas.openxmlformats.org/presentationml/2006/main">
+  <p:cSld>
+    <p:spTree>
+      <p:nvGrpSpPr>
+        <p:cNvPr id="1" name=""/>
+        <p:cNvGrpSpPr/>
+        <p:nvPr/>
+      </p:nvGrpSpPr>
+      <p:grpSpPr>
+        <a:xfrm>
+          <a:off x="0" y="0"/>
+          <a:ext cx="0" cy="0"/>
+          <a:chOff x="0" y="0"/>
+          <a:chExt cx="0" cy="0"/>
+        </a:xfrm>
+      </p:grpSpPr>
+      <p:sp>
+        <p:nvSpPr>
+          <p:cNvPr id="2" name="Title 1"/>
+          <p:cNvSpPr>
+            <a:spLocks noGrp="1"/>
+          </p:cNvSpPr>
+          <p:nvPr>
+            <p:ph type="title"/>
+          </p:nvPr>
+        </p:nvSpPr>
+        <p:spPr/>
+        <p:txBody>
+          <a:bodyPr/>
+          <a:lstStyle/>
+          <a:p>
+            <a:r>
+              <a:rPr lang="en-US" dirty="0" err="1" smtClean="0"/>
+              <a:t>Nhibernate</a:t>
+            </a:r>
+            <a:r>
+              <a:rPr lang="en-US" dirty="0" smtClean="0"/>
+              <a:t> Profiler</a:t>
+            </a:r>
+            <a:endParaRPr lang="en-US" dirty="0"/>
+          </a:p>
+        </p:txBody>
+      </p:sp>
+      <p:pic>
+        <p:nvPicPr>
+          <p:cNvPr id="4" name="Picture 3"/>
+          <p:cNvPicPr>
+            <a:picLocks noChangeAspect="1"/>
+          </p:cNvPicPr>
+          <p:nvPr/>
+        </p:nvPicPr>
+        <p:blipFill>
+          <a:blip r:embed="rId2"/>
+          <a:stretch>
+            <a:fillRect/>
+          </a:stretch>
+        </p:blipFill>
+        <p:spPr>
+          <a:xfrm>
+            <a:off x="628649" y="1535095"/>
+            <a:ext cx="7339693" cy="5005100"/>
+          </a:xfrm>
+          <a:prstGeom prst="rect">
+            <a:avLst/>
+          </a:prstGeom>
+        </p:spPr>
+      </p:pic>
+    </p:spTree>
+    <p:extLst>
+      <p:ext uri="{BB962C8B-B14F-4D97-AF65-F5344CB8AC3E}">
+        <p14:creationId xmlns:p14="http://schemas.microsoft.com/office/powerpoint/2010/main" val="1072743155"/>
+      </p:ext>
+    </p:extLst>
+  </p:cSld>
+  <p:clrMapOvr>
+    <a:masterClrMapping/>
+  </p:clrMapOvr>
+</p:sld>
+</file>
+
 <file path=ppt/slides/slide18.xml><?xml version="1.0" encoding="utf-8"?>
 <p:sld xmlns:a="http://schemas.openxmlformats.org/drawingml/2006/main" xmlns:r="http://schemas.openxmlformats.org/officeDocument/2006/relationships" xmlns:p="http://schemas.openxmlformats.org/presentationml/2006/main">
   <p:cSld>
@@ -8969,53 +10155,38 @@
           <a:bodyPr/>
           <a:lstStyle/>
           <a:p>
-            <a:r>
-              <a:rPr lang="en-US" dirty="0" smtClean="0"/>
-              <a:t>Session Factory</a:t>
-            </a:r>
-            <a:endParaRPr lang="en-US" dirty="0"/>
+            <a:endParaRPr lang="en-US"/>
           </a:p>
         </p:txBody>
       </p:sp>
-      <p:sp>
-        <p:nvSpPr>
-          <p:cNvPr id="3" name="Content Placeholder 2"/>
-          <p:cNvSpPr>
-            <a:spLocks noGrp="1"/>
-          </p:cNvSpPr>
-          <p:nvPr>
-            <p:ph idx="1"/>
-          </p:nvPr>
-        </p:nvSpPr>
-        <p:spPr/>
-        <p:txBody>
-          <a:bodyPr/>
-          <a:lstStyle/>
-          <a:p>
-            <a:r>
-              <a:rPr lang="en-US" dirty="0" smtClean="0"/>
-              <a:t>Point of retrieval for session objects</a:t>
-            </a:r>
-          </a:p>
-          <a:p>
-            <a:r>
-              <a:rPr lang="en-US" dirty="0" smtClean="0"/>
-              <a:t>Expensive</a:t>
-            </a:r>
-          </a:p>
-          <a:p>
-            <a:r>
-              <a:rPr lang="en-US" dirty="0" smtClean="0"/>
-              <a:t>Setup management of changes and connections to DB</a:t>
-            </a:r>
-            <a:endParaRPr lang="en-US" dirty="0"/>
-          </a:p>
-        </p:txBody>
-      </p:sp>
+      <p:pic>
+        <p:nvPicPr>
+          <p:cNvPr id="4" name="Picture 3"/>
+          <p:cNvPicPr>
+            <a:picLocks noChangeAspect="1"/>
+          </p:cNvPicPr>
+          <p:nvPr/>
+        </p:nvPicPr>
+        <p:blipFill>
+          <a:blip r:embed="rId2"/>
+          <a:stretch>
+            <a:fillRect/>
+          </a:stretch>
+        </p:blipFill>
+        <p:spPr>
+          <a:xfrm>
+            <a:off x="892707" y="2101017"/>
+            <a:ext cx="7358585" cy="4086412"/>
+          </a:xfrm>
+          <a:prstGeom prst="rect">
+            <a:avLst/>
+          </a:prstGeom>
+        </p:spPr>
+      </p:pic>
     </p:spTree>
     <p:extLst>
       <p:ext uri="{BB962C8B-B14F-4D97-AF65-F5344CB8AC3E}">
-        <p14:creationId xmlns:p14="http://schemas.microsoft.com/office/powerpoint/2010/main" val="1821012247"/>
+        <p14:creationId xmlns:p14="http://schemas.microsoft.com/office/powerpoint/2010/main" val="636464756"/>
       </p:ext>
     </p:extLst>
   </p:cSld>
@@ -9059,7 +10230,7 @@
           <a:p>
             <a:r>
               <a:rPr lang="en-US" dirty="0" smtClean="0"/>
-              <a:t>Unit of Work</a:t>
+              <a:t>Demo</a:t>
             </a:r>
             <a:endParaRPr lang="en-US" dirty="0"/>
           </a:p>
@@ -9075,52 +10246,69 @@
             <p:ph idx="1"/>
           </p:nvPr>
         </p:nvSpPr>
-        <p:spPr/>
+        <p:spPr>
+          <a:xfrm>
+            <a:off x="628650" y="1835564"/>
+            <a:ext cx="7886700" cy="4351338"/>
+          </a:xfrm>
+        </p:spPr>
         <p:txBody>
-          <a:bodyPr/>
+          <a:bodyPr>
+            <a:normAutofit lnSpcReduction="10000"/>
+          </a:bodyPr>
           <a:lstStyle/>
           <a:p>
             <a:r>
               <a:rPr lang="en-US" dirty="0" smtClean="0"/>
-              <a:t>Performed with an </a:t>
-            </a:r>
-            <a:r>
-              <a:rPr lang="en-US" dirty="0" err="1" smtClean="0"/>
-              <a:t>ISession</a:t>
-            </a:r>
+              <a:t>Create project, add references, empty database</a:t>
+            </a:r>
+          </a:p>
+          <a:p>
             <a:r>
               <a:rPr lang="en-US" dirty="0" smtClean="0"/>
-              <a:t> object</a:t>
+              <a:t>Define Single Entity Customer</a:t>
             </a:r>
           </a:p>
           <a:p>
             <a:r>
               <a:rPr lang="en-US" dirty="0" smtClean="0"/>
-              <a:t>Changes tracked on client</a:t>
+              <a:t>Create Mappings</a:t>
             </a:r>
           </a:p>
           <a:p>
             <a:r>
               <a:rPr lang="en-US" dirty="0" smtClean="0"/>
-              <a:t>All committed at once, in a single unit of </a:t>
-            </a:r>
+              <a:t>Create the database objects</a:t>
+            </a:r>
+          </a:p>
+          <a:p>
             <a:r>
               <a:rPr lang="en-US" dirty="0" smtClean="0"/>
-              <a:t>work</a:t>
+              <a:t>Make a session factory</a:t>
             </a:r>
           </a:p>
           <a:p>
             <a:r>
               <a:rPr lang="en-US" dirty="0" smtClean="0"/>
-              <a:t>Best practice with </a:t>
-            </a:r>
-            <a:r>
-              <a:rPr lang="en-US" dirty="0" err="1" smtClean="0"/>
-              <a:t>Nhibernate</a:t>
-            </a:r>
+              <a:t>Open the session</a:t>
+            </a:r>
+          </a:p>
+          <a:p>
             <a:r>
               <a:rPr lang="en-US" dirty="0" smtClean="0"/>
-              <a:t> is to also use transactions in reads</a:t>
+              <a:t>Add two Customers to the database</a:t>
+            </a:r>
+          </a:p>
+          <a:p>
+            <a:r>
+              <a:rPr lang="en-US" dirty="0" smtClean="0"/>
+              <a:t>Load customer2 from the database</a:t>
+            </a:r>
+          </a:p>
+          <a:p>
+            <a:r>
+              <a:rPr lang="en-US" dirty="0" smtClean="0"/>
+              <a:t>Query a customer</a:t>
             </a:r>
             <a:endParaRPr lang="en-US" dirty="0"/>
           </a:p>
@@ -9129,13 +10317,20 @@
     </p:spTree>
     <p:extLst>
       <p:ext uri="{BB962C8B-B14F-4D97-AF65-F5344CB8AC3E}">
-        <p14:creationId xmlns:p14="http://schemas.microsoft.com/office/powerpoint/2010/main" val="3430614989"/>
+        <p14:creationId xmlns:p14="http://schemas.microsoft.com/office/powerpoint/2010/main" val="3320484380"/>
       </p:ext>
     </p:extLst>
   </p:cSld>
   <p:clrMapOvr>
     <a:masterClrMapping/>
   </p:clrMapOvr>
+  <p:timing>
+    <p:tnLst>
+      <p:par>
+        <p:cTn id="1" dur="indefinite" restart="never" nodeType="tmRoot"/>
+      </p:par>
+    </p:tnLst>
+  </p:timing>
 </p:sld>
 </file>
 
@@ -9284,10 +10479,10 @@
           <a:lstStyle/>
           <a:p>
             <a:r>
-              <a:rPr lang="en-US" dirty="0" smtClean="0"/>
-              <a:t>Tools</a:t>
-            </a:r>
-            <a:endParaRPr lang="en-US" dirty="0"/>
+              <a:rPr lang="en-US" smtClean="0"/>
+              <a:t>Summary</a:t>
+            </a:r>
+            <a:endParaRPr lang="en-US"/>
           </a:p>
         </p:txBody>
       </p:sp>
@@ -9307,60 +10502,38 @@
           <a:lstStyle/>
           <a:p>
             <a:r>
-              <a:rPr lang="en-US" dirty="0" smtClean="0">
-                <a:hlinkClick r:id="rId2"/>
-              </a:rPr>
-              <a:t>http</a:t>
-            </a:r>
-            <a:r>
-              <a:rPr lang="en-US" dirty="0">
-                <a:hlinkClick r:id="rId2"/>
-              </a:rPr>
-              <a:t>://www.llblgen.com</a:t>
-            </a:r>
-            <a:r>
-              <a:rPr lang="en-US" dirty="0" smtClean="0">
-                <a:hlinkClick r:id="rId2"/>
-              </a:rPr>
-              <a:t>/</a:t>
+              <a:rPr lang="en-US" dirty="0" smtClean="0"/>
+              <a:t>Overview of </a:t>
+            </a:r>
+            <a:r>
+              <a:rPr lang="en-US" dirty="0" err="1" smtClean="0"/>
+              <a:t>Nhibernate</a:t>
             </a:r>
             <a:endParaRPr lang="en-US" dirty="0" smtClean="0"/>
           </a:p>
           <a:p>
             <a:r>
-              <a:rPr lang="en-US" dirty="0"/>
-              <a:t>NHibernate Profiler: </a:t>
-            </a:r>
-            <a:r>
-              <a:rPr lang="en-US" dirty="0">
-                <a:hlinkClick r:id="rId3"/>
-              </a:rPr>
-              <a:t>http://</a:t>
-            </a:r>
-            <a:r>
-              <a:rPr lang="en-US" dirty="0" smtClean="0">
-                <a:hlinkClick r:id="rId3"/>
-              </a:rPr>
-              <a:t>www.hibernatingrhinos.com/products/nhprof</a:t>
-            </a:r>
-            <a:endParaRPr lang="en-US" dirty="0"/>
-          </a:p>
-          <a:p>
-            <a:r>
-              <a:rPr lang="en-US" dirty="0">
-                <a:hlinkClick r:id="rId4"/>
-              </a:rPr>
-              <a:t>https://</a:t>
-            </a:r>
-            <a:r>
-              <a:rPr lang="en-US" dirty="0" smtClean="0">
-                <a:hlinkClick r:id="rId4"/>
-              </a:rPr>
-              <a:t>visualstudiogallery.msdn.microsoft.com/0d2cf5b7-d927-49d5-bf9a-9013a2bdecf6</a:t>
-            </a:r>
-            <a:endParaRPr lang="en-US" dirty="0" smtClean="0"/>
-          </a:p>
-          <a:p>
+              <a:rPr lang="en-US" dirty="0" smtClean="0"/>
+              <a:t>The OO vs RDBMS gap</a:t>
+            </a:r>
+          </a:p>
+          <a:p>
+            <a:r>
+              <a:rPr lang="en-US" dirty="0" smtClean="0"/>
+              <a:t>Mapping concepts</a:t>
+            </a:r>
+          </a:p>
+          <a:p>
+            <a:r>
+              <a:rPr lang="en-US" dirty="0" smtClean="0"/>
+              <a:t>The main objects of the API</a:t>
+            </a:r>
+          </a:p>
+          <a:p>
+            <a:r>
+              <a:rPr lang="en-US" dirty="0" smtClean="0"/>
+              <a:t>Show basic operations in a demo with NHibernate</a:t>
+            </a:r>
             <a:endParaRPr lang="en-US" dirty="0"/>
           </a:p>
         </p:txBody>
@@ -9368,13 +10541,20 @@
     </p:spTree>
     <p:extLst>
       <p:ext uri="{BB962C8B-B14F-4D97-AF65-F5344CB8AC3E}">
-        <p14:creationId xmlns:p14="http://schemas.microsoft.com/office/powerpoint/2010/main" val="147672178"/>
+        <p14:creationId xmlns:p14="http://schemas.microsoft.com/office/powerpoint/2010/main" val="1116464846"/>
       </p:ext>
     </p:extLst>
   </p:cSld>
   <p:clrMapOvr>
     <a:masterClrMapping/>
   </p:clrMapOvr>
+  <p:timing>
+    <p:tnLst>
+      <p:par>
+        <p:cTn id="1" dur="indefinite" restart="never" nodeType="tmRoot"/>
+      </p:par>
+    </p:tnLst>
+  </p:timing>
 </p:sld>
 </file>
 
@@ -9411,332 +10591,10 @@
           <a:lstStyle/>
           <a:p>
             <a:r>
-              <a:rPr lang="en-US" dirty="0" err="1" smtClean="0"/>
-              <a:t>Nhibernate</a:t>
-            </a:r>
-            <a:r>
               <a:rPr lang="en-US" dirty="0" smtClean="0"/>
-              <a:t> Profiler</a:t>
+              <a:t>Lab</a:t>
             </a:r>
             <a:endParaRPr lang="en-US" dirty="0"/>
-          </a:p>
-        </p:txBody>
-      </p:sp>
-      <p:pic>
-        <p:nvPicPr>
-          <p:cNvPr id="4" name="Picture 3"/>
-          <p:cNvPicPr>
-            <a:picLocks noChangeAspect="1"/>
-          </p:cNvPicPr>
-          <p:nvPr/>
-        </p:nvPicPr>
-        <p:blipFill>
-          <a:blip r:embed="rId2"/>
-          <a:stretch>
-            <a:fillRect/>
-          </a:stretch>
-        </p:blipFill>
-        <p:spPr>
-          <a:xfrm>
-            <a:off x="628649" y="1535095"/>
-            <a:ext cx="7339693" cy="5005100"/>
-          </a:xfrm>
-          <a:prstGeom prst="rect">
-            <a:avLst/>
-          </a:prstGeom>
-        </p:spPr>
-      </p:pic>
-    </p:spTree>
-    <p:extLst>
-      <p:ext uri="{BB962C8B-B14F-4D97-AF65-F5344CB8AC3E}">
-        <p14:creationId xmlns:p14="http://schemas.microsoft.com/office/powerpoint/2010/main" val="1072743155"/>
-      </p:ext>
-    </p:extLst>
-  </p:cSld>
-  <p:clrMapOvr>
-    <a:masterClrMapping/>
-  </p:clrMapOvr>
-</p:sld>
-</file>
-
-<file path=ppt/slides/slide22.xml><?xml version="1.0" encoding="utf-8"?>
-<p:sld xmlns:a="http://schemas.openxmlformats.org/drawingml/2006/main" xmlns:r="http://schemas.openxmlformats.org/officeDocument/2006/relationships" xmlns:p="http://schemas.openxmlformats.org/presentationml/2006/main">
-  <p:cSld>
-    <p:spTree>
-      <p:nvGrpSpPr>
-        <p:cNvPr id="1" name=""/>
-        <p:cNvGrpSpPr/>
-        <p:nvPr/>
-      </p:nvGrpSpPr>
-      <p:grpSpPr>
-        <a:xfrm>
-          <a:off x="0" y="0"/>
-          <a:ext cx="0" cy="0"/>
-          <a:chOff x="0" y="0"/>
-          <a:chExt cx="0" cy="0"/>
-        </a:xfrm>
-      </p:grpSpPr>
-      <p:sp>
-        <p:nvSpPr>
-          <p:cNvPr id="2" name="Title 1"/>
-          <p:cNvSpPr>
-            <a:spLocks noGrp="1"/>
-          </p:cNvSpPr>
-          <p:nvPr>
-            <p:ph type="title"/>
-          </p:nvPr>
-        </p:nvSpPr>
-        <p:spPr/>
-        <p:txBody>
-          <a:bodyPr/>
-          <a:lstStyle/>
-          <a:p>
-            <a:endParaRPr lang="en-US"/>
-          </a:p>
-        </p:txBody>
-      </p:sp>
-      <p:pic>
-        <p:nvPicPr>
-          <p:cNvPr id="4" name="Picture 3"/>
-          <p:cNvPicPr>
-            <a:picLocks noChangeAspect="1"/>
-          </p:cNvPicPr>
-          <p:nvPr/>
-        </p:nvPicPr>
-        <p:blipFill>
-          <a:blip r:embed="rId2"/>
-          <a:stretch>
-            <a:fillRect/>
-          </a:stretch>
-        </p:blipFill>
-        <p:spPr>
-          <a:xfrm>
-            <a:off x="892707" y="2101017"/>
-            <a:ext cx="7358585" cy="4086412"/>
-          </a:xfrm>
-          <a:prstGeom prst="rect">
-            <a:avLst/>
-          </a:prstGeom>
-        </p:spPr>
-      </p:pic>
-    </p:spTree>
-    <p:extLst>
-      <p:ext uri="{BB962C8B-B14F-4D97-AF65-F5344CB8AC3E}">
-        <p14:creationId xmlns:p14="http://schemas.microsoft.com/office/powerpoint/2010/main" val="636464756"/>
-      </p:ext>
-    </p:extLst>
-  </p:cSld>
-  <p:clrMapOvr>
-    <a:masterClrMapping/>
-  </p:clrMapOvr>
-</p:sld>
-</file>
-
-<file path=ppt/slides/slide23.xml><?xml version="1.0" encoding="utf-8"?>
-<p:sld xmlns:a="http://schemas.openxmlformats.org/drawingml/2006/main" xmlns:r="http://schemas.openxmlformats.org/officeDocument/2006/relationships" xmlns:p="http://schemas.openxmlformats.org/presentationml/2006/main">
-  <p:cSld>
-    <p:spTree>
-      <p:nvGrpSpPr>
-        <p:cNvPr id="1" name=""/>
-        <p:cNvGrpSpPr/>
-        <p:nvPr/>
-      </p:nvGrpSpPr>
-      <p:grpSpPr>
-        <a:xfrm>
-          <a:off x="0" y="0"/>
-          <a:ext cx="0" cy="0"/>
-          <a:chOff x="0" y="0"/>
-          <a:chExt cx="0" cy="0"/>
-        </a:xfrm>
-      </p:grpSpPr>
-      <p:sp>
-        <p:nvSpPr>
-          <p:cNvPr id="2" name="Title 1"/>
-          <p:cNvSpPr>
-            <a:spLocks noGrp="1"/>
-          </p:cNvSpPr>
-          <p:nvPr>
-            <p:ph type="title"/>
-          </p:nvPr>
-        </p:nvSpPr>
-        <p:spPr/>
-        <p:txBody>
-          <a:bodyPr/>
-          <a:lstStyle/>
-          <a:p>
-            <a:r>
-              <a:rPr lang="en-US" dirty="0" smtClean="0"/>
-              <a:t>Demo</a:t>
-            </a:r>
-            <a:endParaRPr lang="en-US" dirty="0"/>
-          </a:p>
-        </p:txBody>
-      </p:sp>
-      <p:sp>
-        <p:nvSpPr>
-          <p:cNvPr id="3" name="Content Placeholder 2"/>
-          <p:cNvSpPr>
-            <a:spLocks noGrp="1"/>
-          </p:cNvSpPr>
-          <p:nvPr>
-            <p:ph idx="1"/>
-          </p:nvPr>
-        </p:nvSpPr>
-        <p:spPr>
-          <a:xfrm>
-            <a:off x="628650" y="1835564"/>
-            <a:ext cx="7886700" cy="4351338"/>
-          </a:xfrm>
-        </p:spPr>
-        <p:txBody>
-          <a:bodyPr>
-            <a:normAutofit lnSpcReduction="10000"/>
-          </a:bodyPr>
-          <a:lstStyle/>
-          <a:p>
-            <a:r>
-              <a:rPr lang="en-US" dirty="0" smtClean="0"/>
-              <a:t>Create </a:t>
-            </a:r>
-            <a:r>
-              <a:rPr lang="en-US" dirty="0" smtClean="0"/>
-              <a:t>project, add references, empty database</a:t>
-            </a:r>
-            <a:endParaRPr lang="en-US" dirty="0" smtClean="0"/>
-          </a:p>
-          <a:p>
-            <a:r>
-              <a:rPr lang="en-US" dirty="0" smtClean="0"/>
-              <a:t>Define Single Entity Customer</a:t>
-            </a:r>
-          </a:p>
-          <a:p>
-            <a:r>
-              <a:rPr lang="en-US" dirty="0" smtClean="0"/>
-              <a:t>Create Mappings</a:t>
-            </a:r>
-          </a:p>
-          <a:p>
-            <a:r>
-              <a:rPr lang="en-US" dirty="0" smtClean="0"/>
-              <a:t>Create the </a:t>
-            </a:r>
-            <a:r>
-              <a:rPr lang="en-US" dirty="0" smtClean="0"/>
-              <a:t>database objects</a:t>
-            </a:r>
-            <a:endParaRPr lang="en-US" dirty="0" smtClean="0"/>
-          </a:p>
-          <a:p>
-            <a:r>
-              <a:rPr lang="en-US" dirty="0" smtClean="0"/>
-              <a:t>Make a session factory</a:t>
-            </a:r>
-          </a:p>
-          <a:p>
-            <a:r>
-              <a:rPr lang="en-US" dirty="0" smtClean="0"/>
-              <a:t>Open the session</a:t>
-            </a:r>
-          </a:p>
-          <a:p>
-            <a:r>
-              <a:rPr lang="en-US" dirty="0" smtClean="0"/>
-              <a:t>Add </a:t>
-            </a:r>
-            <a:r>
-              <a:rPr lang="en-US" dirty="0" smtClean="0"/>
-              <a:t>two </a:t>
-            </a:r>
-            <a:r>
-              <a:rPr lang="en-US" dirty="0" smtClean="0"/>
-              <a:t>Customers </a:t>
-            </a:r>
-            <a:r>
-              <a:rPr lang="en-US" dirty="0" smtClean="0"/>
-              <a:t>to the database</a:t>
-            </a:r>
-          </a:p>
-          <a:p>
-            <a:r>
-              <a:rPr lang="en-US" dirty="0" smtClean="0"/>
-              <a:t>Load customer2 </a:t>
-            </a:r>
-            <a:r>
-              <a:rPr lang="en-US" dirty="0" smtClean="0"/>
-              <a:t>from the </a:t>
-            </a:r>
-            <a:r>
-              <a:rPr lang="en-US" dirty="0" smtClean="0"/>
-              <a:t>database</a:t>
-            </a:r>
-          </a:p>
-          <a:p>
-            <a:r>
-              <a:rPr lang="en-US" dirty="0" smtClean="0"/>
-              <a:t>Query a customer</a:t>
-            </a:r>
-            <a:endParaRPr lang="en-US" dirty="0"/>
-          </a:p>
-        </p:txBody>
-      </p:sp>
-    </p:spTree>
-    <p:extLst>
-      <p:ext uri="{BB962C8B-B14F-4D97-AF65-F5344CB8AC3E}">
-        <p14:creationId xmlns:p14="http://schemas.microsoft.com/office/powerpoint/2010/main" val="3320484380"/>
-      </p:ext>
-    </p:extLst>
-  </p:cSld>
-  <p:clrMapOvr>
-    <a:masterClrMapping/>
-  </p:clrMapOvr>
-  <p:timing>
-    <p:tnLst>
-      <p:par>
-        <p:cTn id="1" dur="indefinite" restart="never" nodeType="tmRoot"/>
-      </p:par>
-    </p:tnLst>
-  </p:timing>
-</p:sld>
-</file>
-
-<file path=ppt/slides/slide24.xml><?xml version="1.0" encoding="utf-8"?>
-<p:sld xmlns:a="http://schemas.openxmlformats.org/drawingml/2006/main" xmlns:r="http://schemas.openxmlformats.org/officeDocument/2006/relationships" xmlns:p="http://schemas.openxmlformats.org/presentationml/2006/main">
-  <p:cSld>
-    <p:spTree>
-      <p:nvGrpSpPr>
-        <p:cNvPr id="1" name=""/>
-        <p:cNvGrpSpPr/>
-        <p:nvPr/>
-      </p:nvGrpSpPr>
-      <p:grpSpPr>
-        <a:xfrm>
-          <a:off x="0" y="0"/>
-          <a:ext cx="0" cy="0"/>
-          <a:chOff x="0" y="0"/>
-          <a:chExt cx="0" cy="0"/>
-        </a:xfrm>
-      </p:grpSpPr>
-      <p:sp>
-        <p:nvSpPr>
-          <p:cNvPr id="2" name="Title 1"/>
-          <p:cNvSpPr>
-            <a:spLocks noGrp="1"/>
-          </p:cNvSpPr>
-          <p:nvPr>
-            <p:ph type="title"/>
-          </p:nvPr>
-        </p:nvSpPr>
-        <p:spPr/>
-        <p:txBody>
-          <a:bodyPr/>
-          <a:lstStyle/>
-          <a:p>
-            <a:r>
-              <a:rPr lang="en-US" smtClean="0"/>
-              <a:t>Summary</a:t>
-            </a:r>
-            <a:endParaRPr lang="en-US"/>
           </a:p>
         </p:txBody>
       </p:sp>
@@ -9757,118 +10615,6 @@
           <a:p>
             <a:r>
               <a:rPr lang="en-US" dirty="0" smtClean="0"/>
-              <a:t>Overview of </a:t>
-            </a:r>
-            <a:r>
-              <a:rPr lang="en-US" dirty="0" err="1" smtClean="0"/>
-              <a:t>Nhibernate</a:t>
-            </a:r>
-            <a:endParaRPr lang="en-US" dirty="0" smtClean="0"/>
-          </a:p>
-          <a:p>
-            <a:r>
-              <a:rPr lang="en-US" dirty="0" smtClean="0"/>
-              <a:t>The OO vs RDBMS gap</a:t>
-            </a:r>
-          </a:p>
-          <a:p>
-            <a:r>
-              <a:rPr lang="en-US" dirty="0" smtClean="0"/>
-              <a:t>Mapping concepts</a:t>
-            </a:r>
-          </a:p>
-          <a:p>
-            <a:r>
-              <a:rPr lang="en-US" dirty="0" smtClean="0"/>
-              <a:t>The main objects of the API</a:t>
-            </a:r>
-          </a:p>
-          <a:p>
-            <a:r>
-              <a:rPr lang="en-US" dirty="0" smtClean="0"/>
-              <a:t>Show basic operations in a demo with NHibernate</a:t>
-            </a:r>
-            <a:endParaRPr lang="en-US" dirty="0"/>
-          </a:p>
-        </p:txBody>
-      </p:sp>
-    </p:spTree>
-    <p:extLst>
-      <p:ext uri="{BB962C8B-B14F-4D97-AF65-F5344CB8AC3E}">
-        <p14:creationId xmlns:p14="http://schemas.microsoft.com/office/powerpoint/2010/main" val="1116464846"/>
-      </p:ext>
-    </p:extLst>
-  </p:cSld>
-  <p:clrMapOvr>
-    <a:masterClrMapping/>
-  </p:clrMapOvr>
-  <p:timing>
-    <p:tnLst>
-      <p:par>
-        <p:cTn id="1" dur="indefinite" restart="never" nodeType="tmRoot"/>
-      </p:par>
-    </p:tnLst>
-  </p:timing>
-</p:sld>
-</file>
-
-<file path=ppt/slides/slide25.xml><?xml version="1.0" encoding="utf-8"?>
-<p:sld xmlns:a="http://schemas.openxmlformats.org/drawingml/2006/main" xmlns:r="http://schemas.openxmlformats.org/officeDocument/2006/relationships" xmlns:p="http://schemas.openxmlformats.org/presentationml/2006/main">
-  <p:cSld>
-    <p:spTree>
-      <p:nvGrpSpPr>
-        <p:cNvPr id="1" name=""/>
-        <p:cNvGrpSpPr/>
-        <p:nvPr/>
-      </p:nvGrpSpPr>
-      <p:grpSpPr>
-        <a:xfrm>
-          <a:off x="0" y="0"/>
-          <a:ext cx="0" cy="0"/>
-          <a:chOff x="0" y="0"/>
-          <a:chExt cx="0" cy="0"/>
-        </a:xfrm>
-      </p:grpSpPr>
-      <p:sp>
-        <p:nvSpPr>
-          <p:cNvPr id="2" name="Title 1"/>
-          <p:cNvSpPr>
-            <a:spLocks noGrp="1"/>
-          </p:cNvSpPr>
-          <p:nvPr>
-            <p:ph type="title"/>
-          </p:nvPr>
-        </p:nvSpPr>
-        <p:spPr/>
-        <p:txBody>
-          <a:bodyPr/>
-          <a:lstStyle/>
-          <a:p>
-            <a:r>
-              <a:rPr lang="en-US" dirty="0" smtClean="0"/>
-              <a:t>Lab</a:t>
-            </a:r>
-            <a:endParaRPr lang="en-US" dirty="0"/>
-          </a:p>
-        </p:txBody>
-      </p:sp>
-      <p:sp>
-        <p:nvSpPr>
-          <p:cNvPr id="3" name="Content Placeholder 2"/>
-          <p:cNvSpPr>
-            <a:spLocks noGrp="1"/>
-          </p:cNvSpPr>
-          <p:nvPr>
-            <p:ph idx="1"/>
-          </p:nvPr>
-        </p:nvSpPr>
-        <p:spPr/>
-        <p:txBody>
-          <a:bodyPr/>
-          <a:lstStyle/>
-          <a:p>
-            <a:r>
-              <a:rPr lang="en-US" dirty="0" smtClean="0"/>
               <a:t>Create an empty database</a:t>
             </a:r>
           </a:p>
@@ -9881,13 +10627,8 @@
           <a:p>
             <a:r>
               <a:rPr lang="en-US" dirty="0" smtClean="0"/>
-              <a:t>Create </a:t>
-            </a:r>
-            <a:r>
-              <a:rPr lang="en-US" dirty="0" smtClean="0"/>
-              <a:t>a Customer entity</a:t>
-            </a:r>
-            <a:endParaRPr lang="en-US" dirty="0" smtClean="0"/>
+              <a:t>Create a Customer entity</a:t>
+            </a:r>
           </a:p>
           <a:p>
             <a:r>
@@ -9898,35 +10639,20 @@
           <a:p>
             <a:r>
               <a:rPr lang="en-US" dirty="0" smtClean="0"/>
-              <a:t>Create the database with </a:t>
-            </a:r>
+              <a:t>Create the database with NHibernate</a:t>
+            </a:r>
+          </a:p>
+          <a:p>
             <a:r>
               <a:rPr lang="en-US" dirty="0" smtClean="0"/>
-              <a:t>NHibernate</a:t>
-            </a:r>
-            <a:endParaRPr lang="en-US" dirty="0" smtClean="0"/>
+              <a:t>Insert a customer</a:t>
+            </a:r>
           </a:p>
           <a:p>
             <a:r>
               <a:rPr lang="en-US" dirty="0" smtClean="0"/>
-              <a:t>Insert a </a:t>
-            </a:r>
-            <a:r>
-              <a:rPr lang="en-US" dirty="0" smtClean="0"/>
-              <a:t>customer</a:t>
-            </a:r>
-            <a:endParaRPr lang="en-US" dirty="0" smtClean="0"/>
-          </a:p>
-          <a:p>
-            <a:r>
-              <a:rPr lang="en-US" dirty="0" smtClean="0"/>
-              <a:t>Retrieve </a:t>
-            </a:r>
-            <a:r>
-              <a:rPr lang="en-US" dirty="0" smtClean="0"/>
-              <a:t>customers</a:t>
-            </a:r>
-            <a:endParaRPr lang="en-US" dirty="0" smtClean="0"/>
+              <a:t>Retrieve customers</a:t>
+            </a:r>
           </a:p>
           <a:p>
             <a:endParaRPr lang="en-US" dirty="0"/>
